--- a/Courses/Applied-Programmer/Programming-Fundamentals/03-Масиви-и-списъци/13.Списъци-увод.pptx
+++ b/Courses/Applied-Programmer/Programming-Fundamentals/03-Масиви-и-списъци/13.Списъци-увод.pptx
@@ -204,174 +204,6 @@
 </p:cmAuthorLst>
 </file>
 
-<file path=ppt/comments/comment1.xml><?xml version="1.0" encoding="utf-8"?>
-<p:cmLst xmlns:a="http://schemas.openxmlformats.org/drawingml/2006/main" xmlns:r="http://schemas.openxmlformats.org/officeDocument/2006/relationships" xmlns:p="http://schemas.openxmlformats.org/presentationml/2006/main">
-  <p:cm authorId="1" dt="2017-12-30T11:45:08.441" idx="1">
-    <p:pos x="10" y="10"/>
-    <p:text>1-2 минути уводни думи</p:text>
-    <p:extLst>
-      <p:ext uri="{C676402C-5697-4E1C-873F-D02D1690AC5C}">
-        <p15:threadingInfo xmlns:p15="http://schemas.microsoft.com/office/powerpoint/2012/main" timeZoneBias="480"/>
-      </p:ext>
-    </p:extLst>
-  </p:cm>
-</p:cmLst>
-</file>
-
-<file path=ppt/comments/comment10.xml><?xml version="1.0" encoding="utf-8"?>
-<p:cmLst xmlns:a="http://schemas.openxmlformats.org/drawingml/2006/main" xmlns:r="http://schemas.openxmlformats.org/officeDocument/2006/relationships" xmlns:p="http://schemas.openxmlformats.org/presentationml/2006/main">
-  <p:cm authorId="1" dt="2017-12-30T11:51:12.512" idx="10">
-    <p:pos x="10" y="10"/>
-    <p:text>отпечатване по два начина - демонстрация за 4-5 минути</p:text>
-    <p:extLst>
-      <p:ext uri="{C676402C-5697-4E1C-873F-D02D1690AC5C}">
-        <p15:threadingInfo xmlns:p15="http://schemas.microsoft.com/office/powerpoint/2012/main" timeZoneBias="480"/>
-      </p:ext>
-    </p:extLst>
-  </p:cm>
-</p:cmLst>
-</file>
-
-<file path=ppt/comments/comment11.xml><?xml version="1.0" encoding="utf-8"?>
-<p:cmLst xmlns:a="http://schemas.openxmlformats.org/drawingml/2006/main" xmlns:r="http://schemas.openxmlformats.org/officeDocument/2006/relationships" xmlns:p="http://schemas.openxmlformats.org/presentationml/2006/main">
-  <p:cm authorId="1" dt="2017-12-30T11:51:32.403" idx="11">
-    <p:pos x="10" y="10"/>
-    <p:text>бърз обзор, ~1 минута</p:text>
-    <p:extLst>
-      <p:ext uri="{C676402C-5697-4E1C-873F-D02D1690AC5C}">
-        <p15:threadingInfo xmlns:p15="http://schemas.microsoft.com/office/powerpoint/2012/main" timeZoneBias="480"/>
-      </p:ext>
-    </p:extLst>
-  </p:cm>
-</p:cmLst>
-</file>
-
-<file path=ppt/comments/comment12.xml><?xml version="1.0" encoding="utf-8"?>
-<p:cmLst xmlns:a="http://schemas.openxmlformats.org/drawingml/2006/main" xmlns:r="http://schemas.openxmlformats.org/officeDocument/2006/relationships" xmlns:p="http://schemas.openxmlformats.org/presentationml/2006/main">
-  <p:cm authorId="1" dt="2017-12-30T11:51:50.903" idx="12">
-    <p:pos x="10" y="10"/>
-    <p:text>Време за въпроси/резервно време: 5 минути при 40 минутен час, 10 минути при 45 минутен.</p:text>
-    <p:extLst>
-      <p:ext uri="{C676402C-5697-4E1C-873F-D02D1690AC5C}">
-        <p15:threadingInfo xmlns:p15="http://schemas.microsoft.com/office/powerpoint/2012/main" timeZoneBias="480"/>
-      </p:ext>
-    </p:extLst>
-  </p:cm>
-</p:cmLst>
-</file>
-
-<file path=ppt/comments/comment2.xml><?xml version="1.0" encoding="utf-8"?>
-<p:cmLst xmlns:a="http://schemas.openxmlformats.org/drawingml/2006/main" xmlns:r="http://schemas.openxmlformats.org/officeDocument/2006/relationships" xmlns:p="http://schemas.openxmlformats.org/presentationml/2006/main">
-  <p:cm authorId="1" dt="2018-01-07T09:26:56.180" idx="13">
-    <p:pos x="10" y="10"/>
-    <p:text>&lt;1 минута за бърз обзор</p:text>
-    <p:extLst>
-      <p:ext uri="{C676402C-5697-4E1C-873F-D02D1690AC5C}">
-        <p15:threadingInfo xmlns:p15="http://schemas.microsoft.com/office/powerpoint/2012/main" timeZoneBias="480"/>
-      </p:ext>
-    </p:extLst>
-  </p:cm>
-</p:cmLst>
-</file>
-
-<file path=ppt/comments/comment3.xml><?xml version="1.0" encoding="utf-8"?>
-<p:cmLst xmlns:a="http://schemas.openxmlformats.org/drawingml/2006/main" xmlns:r="http://schemas.openxmlformats.org/officeDocument/2006/relationships" xmlns:p="http://schemas.openxmlformats.org/presentationml/2006/main">
-  <p:cm authorId="1" dt="2017-12-30T11:45:56.254" idx="3">
-    <p:pos x="10" y="10"/>
-    <p:text>5-7 минути за обяснение на примерите и демонстрация на кода реализиращ единия и другия списък</p:text>
-    <p:extLst>
-      <p:ext uri="{C676402C-5697-4E1C-873F-D02D1690AC5C}">
-        <p15:threadingInfo xmlns:p15="http://schemas.microsoft.com/office/powerpoint/2012/main" timeZoneBias="480"/>
-      </p:ext>
-    </p:extLst>
-  </p:cm>
-</p:cmLst>
-</file>
-
-<file path=ppt/comments/comment4.xml><?xml version="1.0" encoding="utf-8"?>
-<p:cmLst xmlns:a="http://schemas.openxmlformats.org/drawingml/2006/main" xmlns:r="http://schemas.openxmlformats.org/officeDocument/2006/relationships" xmlns:p="http://schemas.openxmlformats.org/presentationml/2006/main">
-  <p:cm authorId="1" dt="2017-12-30T11:48:12.590" idx="4">
-    <p:pos x="10" y="10"/>
-    <p:text>преглед на възможностите на списъка, по няколко думи за всяка една опция - 2-3 минути</p:text>
-    <p:extLst>
-      <p:ext uri="{C676402C-5697-4E1C-873F-D02D1690AC5C}">
-        <p15:threadingInfo xmlns:p15="http://schemas.microsoft.com/office/powerpoint/2012/main" timeZoneBias="480"/>
-      </p:ext>
-    </p:extLst>
-  </p:cm>
-</p:cmLst>
-</file>
-
-<file path=ppt/comments/comment5.xml><?xml version="1.0" encoding="utf-8"?>
-<p:cmLst xmlns:a="http://schemas.openxmlformats.org/drawingml/2006/main" xmlns:r="http://schemas.openxmlformats.org/officeDocument/2006/relationships" xmlns:p="http://schemas.openxmlformats.org/presentationml/2006/main">
-  <p:cm authorId="1" dt="2017-12-30T11:48:56.731" idx="5">
-    <p:pos x="10" y="10"/>
-    <p:text>Пример за добавяне на елемент и обяснение как работи, около 2-3 минути</p:text>
-    <p:extLst>
-      <p:ext uri="{C676402C-5697-4E1C-873F-D02D1690AC5C}">
-        <p15:threadingInfo xmlns:p15="http://schemas.microsoft.com/office/powerpoint/2012/main" timeZoneBias="480"/>
-      </p:ext>
-    </p:extLst>
-  </p:cm>
-</p:cmLst>
-</file>
-
-<file path=ppt/comments/comment6.xml><?xml version="1.0" encoding="utf-8"?>
-<p:cmLst xmlns:a="http://schemas.openxmlformats.org/drawingml/2006/main" xmlns:r="http://schemas.openxmlformats.org/officeDocument/2006/relationships" xmlns:p="http://schemas.openxmlformats.org/presentationml/2006/main">
-  <p:cm authorId="1" dt="2017-12-30T11:49:14.044" idx="6">
-    <p:pos x="10" y="10"/>
-    <p:text>Пример за изтриване, около 2-3 минути</p:text>
-    <p:extLst>
-      <p:ext uri="{C676402C-5697-4E1C-873F-D02D1690AC5C}">
-        <p15:threadingInfo xmlns:p15="http://schemas.microsoft.com/office/powerpoint/2012/main" timeZoneBias="480"/>
-      </p:ext>
-    </p:extLst>
-  </p:cm>
-</p:cmLst>
-</file>
-
-<file path=ppt/comments/comment7.xml><?xml version="1.0" encoding="utf-8"?>
-<p:cmLst xmlns:a="http://schemas.openxmlformats.org/drawingml/2006/main" xmlns:r="http://schemas.openxmlformats.org/officeDocument/2006/relationships" xmlns:p="http://schemas.openxmlformats.org/presentationml/2006/main">
-  <p:cm authorId="1" dt="2017-12-30T11:49:26.090" idx="7">
-    <p:pos x="10" y="10"/>
-    <p:text>Вмъкване и подчертаване на разликата между insert и add, 3-4 минути</p:text>
-    <p:extLst>
-      <p:ext uri="{C676402C-5697-4E1C-873F-D02D1690AC5C}">
-        <p15:threadingInfo xmlns:p15="http://schemas.microsoft.com/office/powerpoint/2012/main" timeZoneBias="480"/>
-      </p:ext>
-    </p:extLst>
-  </p:cm>
-</p:cmLst>
-</file>
-
-<file path=ppt/comments/comment8.xml><?xml version="1.0" encoding="utf-8"?>
-<p:cmLst xmlns:a="http://schemas.openxmlformats.org/drawingml/2006/main" xmlns:r="http://schemas.openxmlformats.org/officeDocument/2006/relationships" xmlns:p="http://schemas.openxmlformats.org/presentationml/2006/main">
-  <p:cm authorId="1" dt="2017-12-30T11:50:26.090" idx="8">
-    <p:pos x="10" y="10"/>
-    <p:text>обяснение на необходимите стъпки за въвеждане, демонстрация на програмата - 3-4 минути</p:text>
-    <p:extLst>
-      <p:ext uri="{C676402C-5697-4E1C-873F-D02D1690AC5C}">
-        <p15:threadingInfo xmlns:p15="http://schemas.microsoft.com/office/powerpoint/2012/main" timeZoneBias="480"/>
-      </p:ext>
-    </p:extLst>
-  </p:cm>
-</p:cmLst>
-</file>
-
-<file path=ppt/comments/comment9.xml><?xml version="1.0" encoding="utf-8"?>
-<p:cmLst xmlns:a="http://schemas.openxmlformats.org/drawingml/2006/main" xmlns:r="http://schemas.openxmlformats.org/officeDocument/2006/relationships" xmlns:p="http://schemas.openxmlformats.org/presentationml/2006/main">
-  <p:cm authorId="1" dt="2017-12-30T11:50:54.294" idx="9">
-    <p:pos x="10" y="10"/>
-    <p:text>алтернативно въвеждане, демонстрация - 4-5 минути</p:text>
-    <p:extLst>
-      <p:ext uri="{C676402C-5697-4E1C-873F-D02D1690AC5C}">
-        <p15:threadingInfo xmlns:p15="http://schemas.microsoft.com/office/powerpoint/2012/main" timeZoneBias="480"/>
-      </p:ext>
-    </p:extLst>
-  </p:cm>
-</p:cmLst>
-</file>
-
 <file path=ppt/handoutMasters/handoutMaster1.xml><?xml version="1.0" encoding="utf-8"?>
 <p:handoutMaster xmlns:a="http://schemas.openxmlformats.org/drawingml/2006/main" xmlns:r="http://schemas.openxmlformats.org/officeDocument/2006/relationships" xmlns:p="http://schemas.openxmlformats.org/presentationml/2006/main">
   <p:cSld>
@@ -529,7 +361,7 @@
             <a:fld id="{FE5B4EDC-59C0-49C7-8ADA-5A781B329E02}" type="datetimeFigureOut">
               <a:rPr lang="en-US"/>
               <a:pPr/>
-              <a:t>16-Dec-19</a:t>
+              <a:t>10-Nov-20</a:t>
             </a:fld>
             <a:endParaRPr dirty="0"/>
           </a:p>
@@ -827,7 +659,7 @@
             <a:fld id="{F2D8D46A-B586-417D-BFBD-8C8FE0AAF762}" type="datetimeFigureOut">
               <a:rPr lang="en-US" smtClean="0"/>
               <a:pPr/>
-              <a:t>16-Dec-19</a:t>
+              <a:t>10-Nov-20</a:t>
             </a:fld>
             <a:endParaRPr lang="en-US" dirty="0"/>
           </a:p>
@@ -8742,7 +8574,7 @@
         </p:spPr>
         <p:txBody>
           <a:bodyPr>
-            <a:normAutofit lnSpcReduction="10000"/>
+            <a:normAutofit/>
           </a:bodyPr>
           <a:lstStyle/>
           <a:p>
@@ -8755,14 +8587,14 @@
               </a:spcAft>
             </a:pPr>
             <a:r>
-              <a:rPr lang="en-US" sz="3000" dirty="0">
+              <a:rPr lang="bg-BG" sz="3000" dirty="0">
                 <a:solidFill>
                   <a:schemeClr val="tx2">
                     <a:lumMod val="75000"/>
                   </a:schemeClr>
                 </a:solidFill>
               </a:rPr>
-              <a:t>Lists</a:t>
+              <a:t>Списъкът</a:t>
             </a:r>
             <a:r>
               <a:rPr lang="en-US" sz="3000" dirty="0"/>
@@ -8880,14 +8712,7 @@
             </a:pPr>
             <a:r>
               <a:rPr lang="bg-BG" sz="3000" dirty="0"/>
-              <a:t>Изпечатване на</a:t>
-            </a:r>
-            <a:br>
-              <a:rPr lang="bg-BG" sz="3000" dirty="0"/>
-            </a:br>
-            <a:r>
-              <a:rPr lang="bg-BG" sz="3000" dirty="0"/>
-              <a:t>елементите на списък:</a:t>
+              <a:t>Отпечатване на списък:</a:t>
             </a:r>
             <a:endParaRPr lang="en-US" sz="3000" dirty="0"/>
           </a:p>
@@ -8946,7 +8771,7 @@
         </p:blipFill>
         <p:spPr>
           <a:xfrm>
-            <a:off x="8649834" y="1629575"/>
+            <a:off x="8662308" y="2068589"/>
             <a:ext cx="2207821" cy="1410754"/>
           </a:xfrm>
           <a:prstGeom prst="rect">
@@ -8981,7 +8806,7 @@
         </p:blipFill>
         <p:spPr>
           <a:xfrm flipH="1">
-            <a:off x="9869033" y="2133600"/>
+            <a:off x="9664601" y="2817722"/>
             <a:ext cx="2106858" cy="2280150"/>
           </a:xfrm>
           <a:prstGeom prst="rect">
@@ -9005,8 +8830,8 @@
         </p:nvSpPr>
         <p:spPr>
           <a:xfrm>
-            <a:off x="648592" y="3657600"/>
-            <a:ext cx="7655619" cy="945625"/>
+            <a:off x="648592" y="3962400"/>
+            <a:ext cx="7766925" cy="945625"/>
           </a:xfrm>
           <a:prstGeom prst="rect">
             <a:avLst/>
@@ -9352,7 +9177,7 @@
         </p:nvSpPr>
         <p:spPr>
           <a:xfrm>
-            <a:off x="4494211" y="4800600"/>
+            <a:off x="4605518" y="5161363"/>
             <a:ext cx="3809999" cy="545516"/>
           </a:xfrm>
           <a:prstGeom prst="rect">
@@ -9602,8 +9427,8 @@
         </p:nvSpPr>
         <p:spPr>
           <a:xfrm>
-            <a:off x="4494211" y="5761038"/>
-            <a:ext cx="7239000" cy="545516"/>
+            <a:off x="4608661" y="5911380"/>
+            <a:ext cx="7162798" cy="545516"/>
           </a:xfrm>
           <a:prstGeom prst="rect">
             <a:avLst/>

--- a/Courses/Applied-Programmer/Programming-Fundamentals/03-Масиви-и-списъци/13.Списъци-увод.pptx
+++ b/Courses/Applied-Programmer/Programming-Fundamentals/03-Масиви-и-списъци/13.Списъци-увод.pptx
@@ -361,7 +361,7 @@
             <a:fld id="{FE5B4EDC-59C0-49C7-8ADA-5A781B329E02}" type="datetimeFigureOut">
               <a:rPr lang="en-US"/>
               <a:pPr/>
-              <a:t>10-Nov-20</a:t>
+              <a:t>13-Nov-20</a:t>
             </a:fld>
             <a:endParaRPr dirty="0"/>
           </a:p>
@@ -659,7 +659,7 @@
             <a:fld id="{F2D8D46A-B586-417D-BFBD-8C8FE0AAF762}" type="datetimeFigureOut">
               <a:rPr lang="en-US" smtClean="0"/>
               <a:pPr/>
-              <a:t>10-Nov-20</a:t>
+              <a:t>13-Nov-20</a:t>
             </a:fld>
             <a:endParaRPr lang="en-US" dirty="0"/>
           </a:p>
@@ -5435,6 +5435,149 @@
           </a:p>
         </p:txBody>
       </p:sp>
+      <p:sp>
+        <p:nvSpPr>
+          <p:cNvPr id="8" name="Rectangle 7"/>
+          <p:cNvSpPr/>
+          <p:nvPr/>
+        </p:nvSpPr>
+        <p:spPr>
+          <a:xfrm>
+            <a:off x="2270898" y="6324600"/>
+            <a:ext cx="7647030" cy="461665"/>
+          </a:xfrm>
+          <a:prstGeom prst="rect">
+            <a:avLst/>
+          </a:prstGeom>
+        </p:spPr>
+        <p:txBody>
+          <a:bodyPr wrap="none">
+            <a:spAutoFit/>
+          </a:bodyPr>
+          <a:lstStyle>
+            <a:defPPr>
+              <a:defRPr lang="en-US"/>
+            </a:defPPr>
+            <a:lvl1pPr marL="0" algn="l" defTabSz="1218987" rtl="0" eaLnBrk="1" latinLnBrk="0" hangingPunct="1">
+              <a:defRPr sz="2400" kern="1200">
+                <a:solidFill>
+                  <a:schemeClr val="tx1"/>
+                </a:solidFill>
+                <a:latin typeface="+mn-lt"/>
+                <a:ea typeface="+mn-ea"/>
+                <a:cs typeface="+mn-cs"/>
+              </a:defRPr>
+            </a:lvl1pPr>
+            <a:lvl2pPr marL="609493" algn="l" defTabSz="1218987" rtl="0" eaLnBrk="1" latinLnBrk="0" hangingPunct="1">
+              <a:defRPr sz="2400" kern="1200">
+                <a:solidFill>
+                  <a:schemeClr val="tx1"/>
+                </a:solidFill>
+                <a:latin typeface="+mn-lt"/>
+                <a:ea typeface="+mn-ea"/>
+                <a:cs typeface="+mn-cs"/>
+              </a:defRPr>
+            </a:lvl2pPr>
+            <a:lvl3pPr marL="1218987" algn="l" defTabSz="1218987" rtl="0" eaLnBrk="1" latinLnBrk="0" hangingPunct="1">
+              <a:defRPr sz="2400" kern="1200">
+                <a:solidFill>
+                  <a:schemeClr val="tx1"/>
+                </a:solidFill>
+                <a:latin typeface="+mn-lt"/>
+                <a:ea typeface="+mn-ea"/>
+                <a:cs typeface="+mn-cs"/>
+              </a:defRPr>
+            </a:lvl3pPr>
+            <a:lvl4pPr marL="1828480" algn="l" defTabSz="1218987" rtl="0" eaLnBrk="1" latinLnBrk="0" hangingPunct="1">
+              <a:defRPr sz="2400" kern="1200">
+                <a:solidFill>
+                  <a:schemeClr val="tx1"/>
+                </a:solidFill>
+                <a:latin typeface="+mn-lt"/>
+                <a:ea typeface="+mn-ea"/>
+                <a:cs typeface="+mn-cs"/>
+              </a:defRPr>
+            </a:lvl4pPr>
+            <a:lvl5pPr marL="2437973" algn="l" defTabSz="1218987" rtl="0" eaLnBrk="1" latinLnBrk="0" hangingPunct="1">
+              <a:defRPr sz="2400" kern="1200">
+                <a:solidFill>
+                  <a:schemeClr val="tx1"/>
+                </a:solidFill>
+                <a:latin typeface="+mn-lt"/>
+                <a:ea typeface="+mn-ea"/>
+                <a:cs typeface="+mn-cs"/>
+              </a:defRPr>
+            </a:lvl5pPr>
+            <a:lvl6pPr marL="3047467" algn="l" defTabSz="1218987" rtl="0" eaLnBrk="1" latinLnBrk="0" hangingPunct="1">
+              <a:defRPr sz="2400" kern="1200">
+                <a:solidFill>
+                  <a:schemeClr val="tx1"/>
+                </a:solidFill>
+                <a:latin typeface="+mn-lt"/>
+                <a:ea typeface="+mn-ea"/>
+                <a:cs typeface="+mn-cs"/>
+              </a:defRPr>
+            </a:lvl6pPr>
+            <a:lvl7pPr marL="3656960" algn="l" defTabSz="1218987" rtl="0" eaLnBrk="1" latinLnBrk="0" hangingPunct="1">
+              <a:defRPr sz="2400" kern="1200">
+                <a:solidFill>
+                  <a:schemeClr val="tx1"/>
+                </a:solidFill>
+                <a:latin typeface="+mn-lt"/>
+                <a:ea typeface="+mn-ea"/>
+                <a:cs typeface="+mn-cs"/>
+              </a:defRPr>
+            </a:lvl7pPr>
+            <a:lvl8pPr marL="4266453" algn="l" defTabSz="1218987" rtl="0" eaLnBrk="1" latinLnBrk="0" hangingPunct="1">
+              <a:defRPr sz="2400" kern="1200">
+                <a:solidFill>
+                  <a:schemeClr val="tx1"/>
+                </a:solidFill>
+                <a:latin typeface="+mn-lt"/>
+                <a:ea typeface="+mn-ea"/>
+                <a:cs typeface="+mn-cs"/>
+              </a:defRPr>
+            </a:lvl8pPr>
+            <a:lvl9pPr marL="4875947" algn="l" defTabSz="1218987" rtl="0" eaLnBrk="1" latinLnBrk="0" hangingPunct="1">
+              <a:defRPr sz="2400" kern="1200">
+                <a:solidFill>
+                  <a:schemeClr val="tx1"/>
+                </a:solidFill>
+                <a:latin typeface="+mn-lt"/>
+                <a:ea typeface="+mn-ea"/>
+                <a:cs typeface="+mn-cs"/>
+              </a:defRPr>
+            </a:lvl9pPr>
+          </a:lstStyle>
+          <a:p>
+            <a:r>
+              <a:rPr lang="bg-BG" dirty="0" smtClean="0"/>
+              <a:t>Тествайте</a:t>
+            </a:r>
+            <a:r>
+              <a:rPr lang="en-US" dirty="0" smtClean="0"/>
+              <a:t> </a:t>
+            </a:r>
+            <a:r>
+              <a:rPr lang="en-US" dirty="0"/>
+              <a:t>в Judge: </a:t>
+            </a:r>
+            <a:r>
+              <a:rPr lang="en-US" dirty="0">
+                <a:hlinkClick r:id="rId2"/>
+              </a:rPr>
+              <a:t>https://</a:t>
+            </a:r>
+            <a:r>
+              <a:rPr lang="en-US" dirty="0" smtClean="0">
+                <a:hlinkClick r:id="rId2"/>
+              </a:rPr>
+              <a:t>judge.softuni.bg/Contests/2656</a:t>
+            </a:r>
+            <a:endParaRPr lang="en-US" dirty="0"/>
+          </a:p>
+        </p:txBody>
+      </p:sp>
     </p:spTree>
     <p:extLst>
       <p:ext uri="{BB962C8B-B14F-4D97-AF65-F5344CB8AC3E}">
@@ -7075,6 +7218,149 @@
                 </a:prstClr>
               </a:solidFill>
             </a:endParaRPr>
+          </a:p>
+        </p:txBody>
+      </p:sp>
+      <p:sp>
+        <p:nvSpPr>
+          <p:cNvPr id="14" name="Rectangle 13"/>
+          <p:cNvSpPr/>
+          <p:nvPr/>
+        </p:nvSpPr>
+        <p:spPr>
+          <a:xfrm>
+            <a:off x="2529100" y="6427113"/>
+            <a:ext cx="6918112" cy="430887"/>
+          </a:xfrm>
+          <a:prstGeom prst="rect">
+            <a:avLst/>
+          </a:prstGeom>
+        </p:spPr>
+        <p:txBody>
+          <a:bodyPr wrap="none">
+            <a:spAutoFit/>
+          </a:bodyPr>
+          <a:lstStyle>
+            <a:defPPr>
+              <a:defRPr lang="en-US"/>
+            </a:defPPr>
+            <a:lvl1pPr marL="0" algn="l" defTabSz="1218987" rtl="0" eaLnBrk="1" latinLnBrk="0" hangingPunct="1">
+              <a:defRPr sz="2400" kern="1200">
+                <a:solidFill>
+                  <a:schemeClr val="tx1"/>
+                </a:solidFill>
+                <a:latin typeface="+mn-lt"/>
+                <a:ea typeface="+mn-ea"/>
+                <a:cs typeface="+mn-cs"/>
+              </a:defRPr>
+            </a:lvl1pPr>
+            <a:lvl2pPr marL="609493" algn="l" defTabSz="1218987" rtl="0" eaLnBrk="1" latinLnBrk="0" hangingPunct="1">
+              <a:defRPr sz="2400" kern="1200">
+                <a:solidFill>
+                  <a:schemeClr val="tx1"/>
+                </a:solidFill>
+                <a:latin typeface="+mn-lt"/>
+                <a:ea typeface="+mn-ea"/>
+                <a:cs typeface="+mn-cs"/>
+              </a:defRPr>
+            </a:lvl2pPr>
+            <a:lvl3pPr marL="1218987" algn="l" defTabSz="1218987" rtl="0" eaLnBrk="1" latinLnBrk="0" hangingPunct="1">
+              <a:defRPr sz="2400" kern="1200">
+                <a:solidFill>
+                  <a:schemeClr val="tx1"/>
+                </a:solidFill>
+                <a:latin typeface="+mn-lt"/>
+                <a:ea typeface="+mn-ea"/>
+                <a:cs typeface="+mn-cs"/>
+              </a:defRPr>
+            </a:lvl3pPr>
+            <a:lvl4pPr marL="1828480" algn="l" defTabSz="1218987" rtl="0" eaLnBrk="1" latinLnBrk="0" hangingPunct="1">
+              <a:defRPr sz="2400" kern="1200">
+                <a:solidFill>
+                  <a:schemeClr val="tx1"/>
+                </a:solidFill>
+                <a:latin typeface="+mn-lt"/>
+                <a:ea typeface="+mn-ea"/>
+                <a:cs typeface="+mn-cs"/>
+              </a:defRPr>
+            </a:lvl4pPr>
+            <a:lvl5pPr marL="2437973" algn="l" defTabSz="1218987" rtl="0" eaLnBrk="1" latinLnBrk="0" hangingPunct="1">
+              <a:defRPr sz="2400" kern="1200">
+                <a:solidFill>
+                  <a:schemeClr val="tx1"/>
+                </a:solidFill>
+                <a:latin typeface="+mn-lt"/>
+                <a:ea typeface="+mn-ea"/>
+                <a:cs typeface="+mn-cs"/>
+              </a:defRPr>
+            </a:lvl5pPr>
+            <a:lvl6pPr marL="3047467" algn="l" defTabSz="1218987" rtl="0" eaLnBrk="1" latinLnBrk="0" hangingPunct="1">
+              <a:defRPr sz="2400" kern="1200">
+                <a:solidFill>
+                  <a:schemeClr val="tx1"/>
+                </a:solidFill>
+                <a:latin typeface="+mn-lt"/>
+                <a:ea typeface="+mn-ea"/>
+                <a:cs typeface="+mn-cs"/>
+              </a:defRPr>
+            </a:lvl6pPr>
+            <a:lvl7pPr marL="3656960" algn="l" defTabSz="1218987" rtl="0" eaLnBrk="1" latinLnBrk="0" hangingPunct="1">
+              <a:defRPr sz="2400" kern="1200">
+                <a:solidFill>
+                  <a:schemeClr val="tx1"/>
+                </a:solidFill>
+                <a:latin typeface="+mn-lt"/>
+                <a:ea typeface="+mn-ea"/>
+                <a:cs typeface="+mn-cs"/>
+              </a:defRPr>
+            </a:lvl7pPr>
+            <a:lvl8pPr marL="4266453" algn="l" defTabSz="1218987" rtl="0" eaLnBrk="1" latinLnBrk="0" hangingPunct="1">
+              <a:defRPr sz="2400" kern="1200">
+                <a:solidFill>
+                  <a:schemeClr val="tx1"/>
+                </a:solidFill>
+                <a:latin typeface="+mn-lt"/>
+                <a:ea typeface="+mn-ea"/>
+                <a:cs typeface="+mn-cs"/>
+              </a:defRPr>
+            </a:lvl8pPr>
+            <a:lvl9pPr marL="4875947" algn="l" defTabSz="1218987" rtl="0" eaLnBrk="1" latinLnBrk="0" hangingPunct="1">
+              <a:defRPr sz="2400" kern="1200">
+                <a:solidFill>
+                  <a:schemeClr val="tx1"/>
+                </a:solidFill>
+                <a:latin typeface="+mn-lt"/>
+                <a:ea typeface="+mn-ea"/>
+                <a:cs typeface="+mn-cs"/>
+              </a:defRPr>
+            </a:lvl9pPr>
+          </a:lstStyle>
+          <a:p>
+            <a:r>
+              <a:rPr lang="bg-BG" sz="2200" dirty="0" smtClean="0"/>
+              <a:t>Тествайте</a:t>
+            </a:r>
+            <a:r>
+              <a:rPr lang="en-US" sz="2200" dirty="0" smtClean="0"/>
+              <a:t> </a:t>
+            </a:r>
+            <a:r>
+              <a:rPr lang="en-US" sz="2200" dirty="0"/>
+              <a:t>в Judge: </a:t>
+            </a:r>
+            <a:r>
+              <a:rPr lang="en-US" sz="2200" dirty="0">
+                <a:hlinkClick r:id="rId2"/>
+              </a:rPr>
+              <a:t>https://</a:t>
+            </a:r>
+            <a:r>
+              <a:rPr lang="en-US" sz="2200" dirty="0" smtClean="0">
+                <a:hlinkClick r:id="rId2"/>
+              </a:rPr>
+              <a:t>judge.softuni.bg/Contests/2656</a:t>
+            </a:r>
+            <a:endParaRPr lang="en-US" sz="2200" dirty="0"/>
           </a:p>
         </p:txBody>
       </p:sp>

--- a/Courses/Applied-Programmer/Programming-Fundamentals/03-Масиви-и-списъци/13.Списъци-увод.pptx
+++ b/Courses/Applied-Programmer/Programming-Fundamentals/03-Масиви-и-списъци/13.Списъци-увод.pptx
@@ -361,7 +361,7 @@
             <a:fld id="{FE5B4EDC-59C0-49C7-8ADA-5A781B329E02}" type="datetimeFigureOut">
               <a:rPr lang="en-US"/>
               <a:pPr/>
-              <a:t>13-Nov-20</a:t>
+              <a:t>19-Nov-20</a:t>
             </a:fld>
             <a:endParaRPr dirty="0"/>
           </a:p>
@@ -659,7 +659,7 @@
             <a:fld id="{F2D8D46A-B586-417D-BFBD-8C8FE0AAF762}" type="datetimeFigureOut">
               <a:rPr lang="en-US" smtClean="0"/>
               <a:pPr/>
-              <a:t>13-Nov-20</a:t>
+              <a:t>19-Nov-20</a:t>
             </a:fld>
             <a:endParaRPr lang="en-US" dirty="0"/>
           </a:p>
@@ -3984,10 +3984,10 @@
         </p:nvGrpSpPr>
         <p:grpSpPr>
           <a:xfrm>
-            <a:off x="760412" y="3583505"/>
-            <a:ext cx="5043827" cy="2524722"/>
-            <a:chOff x="745783" y="3624633"/>
-            <a:chExt cx="5043827" cy="2524722"/>
+            <a:off x="269811" y="3583505"/>
+            <a:ext cx="5534428" cy="2711516"/>
+            <a:chOff x="255182" y="3624633"/>
+            <a:chExt cx="5534428" cy="2711516"/>
           </a:xfrm>
         </p:grpSpPr>
         <p:pic>
@@ -4044,7 +4044,7 @@
           </p:blipFill>
           <p:spPr bwMode="auto">
             <a:xfrm>
-              <a:off x="745783" y="4076772"/>
+              <a:off x="275793" y="4225413"/>
               <a:ext cx="2175525" cy="761165"/>
             </a:xfrm>
             <a:prstGeom prst="roundRect">
@@ -4083,7 +4083,7 @@
           </p:nvSpPr>
           <p:spPr bwMode="auto">
             <a:xfrm>
-              <a:off x="760413" y="4998598"/>
+              <a:off x="255182" y="5035110"/>
               <a:ext cx="3187614" cy="444343"/>
             </a:xfrm>
             <a:prstGeom prst="rect">
@@ -4340,7 +4340,7 @@
           </p:nvSpPr>
           <p:spPr bwMode="auto">
             <a:xfrm>
-              <a:off x="760412" y="5403725"/>
+              <a:off x="255183" y="5527985"/>
               <a:ext cx="3187613" cy="382788"/>
             </a:xfrm>
             <a:prstGeom prst="rect">
@@ -4596,7 +4596,7 @@
           </p:nvSpPr>
           <p:spPr bwMode="auto">
             <a:xfrm>
-              <a:off x="760412" y="5690893"/>
+              <a:off x="255183" y="5877687"/>
               <a:ext cx="3810000" cy="458462"/>
             </a:xfrm>
             <a:prstGeom prst="rect">
@@ -4837,6 +4837,141 @@
           </p:txBody>
         </p:sp>
       </p:grpSp>
+      <p:sp>
+        <p:nvSpPr>
+          <p:cNvPr id="12" name="Text Placeholder 11">
+            <a:extLst>
+              <a:ext uri="{FF2B5EF4-FFF2-40B4-BE49-F238E27FC236}">
+                <a16:creationId xmlns:a16="http://schemas.microsoft.com/office/drawing/2014/main" id="{8F3BA94F-ED07-483A-96A6-B3E67A3451F7}"/>
+              </a:ext>
+            </a:extLst>
+          </p:cNvPr>
+          <p:cNvSpPr txBox="1">
+            <a:spLocks/>
+          </p:cNvSpPr>
+          <p:nvPr/>
+        </p:nvSpPr>
+        <p:spPr bwMode="auto">
+          <a:xfrm>
+            <a:off x="269812" y="6295021"/>
+            <a:ext cx="11885613" cy="349702"/>
+          </a:xfrm>
+          <a:prstGeom prst="rect">
+            <a:avLst/>
+          </a:prstGeom>
+          <a:noFill/>
+          <a:effectLst/>
+        </p:spPr>
+        <p:txBody>
+          <a:bodyPr vert="horz" wrap="square" lIns="36000" tIns="36000" rIns="36000" bIns="36000" rtlCol="0" anchor="ctr" anchorCtr="0">
+            <a:spAutoFit/>
+          </a:bodyPr>
+          <a:lstStyle>
+            <a:defPPr>
+              <a:defRPr lang="en-US"/>
+            </a:defPPr>
+            <a:lvl1pPr marL="0" algn="l" defTabSz="1218987" rtl="0" eaLnBrk="1" latinLnBrk="0" hangingPunct="1">
+              <a:defRPr sz="2400" kern="1200">
+                <a:solidFill>
+                  <a:schemeClr val="tx1"/>
+                </a:solidFill>
+                <a:latin typeface="+mn-lt"/>
+                <a:ea typeface="+mn-ea"/>
+                <a:cs typeface="+mn-cs"/>
+              </a:defRPr>
+            </a:lvl1pPr>
+            <a:lvl2pPr marL="609493" algn="l" defTabSz="1218987" rtl="0" eaLnBrk="1" latinLnBrk="0" hangingPunct="1">
+              <a:defRPr sz="2400" kern="1200">
+                <a:solidFill>
+                  <a:schemeClr val="tx1"/>
+                </a:solidFill>
+                <a:latin typeface="+mn-lt"/>
+                <a:ea typeface="+mn-ea"/>
+                <a:cs typeface="+mn-cs"/>
+              </a:defRPr>
+            </a:lvl2pPr>
+            <a:lvl3pPr marL="1218987" algn="l" defTabSz="1218987" rtl="0" eaLnBrk="1" latinLnBrk="0" hangingPunct="1">
+              <a:defRPr sz="2400" kern="1200">
+                <a:solidFill>
+                  <a:schemeClr val="tx1"/>
+                </a:solidFill>
+                <a:latin typeface="+mn-lt"/>
+                <a:ea typeface="+mn-ea"/>
+                <a:cs typeface="+mn-cs"/>
+              </a:defRPr>
+            </a:lvl3pPr>
+            <a:lvl4pPr marL="1828480" algn="l" defTabSz="1218987" rtl="0" eaLnBrk="1" latinLnBrk="0" hangingPunct="1">
+              <a:defRPr sz="2400" kern="1200">
+                <a:solidFill>
+                  <a:schemeClr val="tx1"/>
+                </a:solidFill>
+                <a:latin typeface="+mn-lt"/>
+                <a:ea typeface="+mn-ea"/>
+                <a:cs typeface="+mn-cs"/>
+              </a:defRPr>
+            </a:lvl4pPr>
+            <a:lvl5pPr marL="2437973" algn="l" defTabSz="1218987" rtl="0" eaLnBrk="1" latinLnBrk="0" hangingPunct="1">
+              <a:defRPr sz="2400" kern="1200">
+                <a:solidFill>
+                  <a:schemeClr val="tx1"/>
+                </a:solidFill>
+                <a:latin typeface="+mn-lt"/>
+                <a:ea typeface="+mn-ea"/>
+                <a:cs typeface="+mn-cs"/>
+              </a:defRPr>
+            </a:lvl5pPr>
+            <a:lvl6pPr marL="3047467" algn="l" defTabSz="1218987" rtl="0" eaLnBrk="1" latinLnBrk="0" hangingPunct="1">
+              <a:defRPr sz="2400" kern="1200">
+                <a:solidFill>
+                  <a:schemeClr val="tx1"/>
+                </a:solidFill>
+                <a:latin typeface="+mn-lt"/>
+                <a:ea typeface="+mn-ea"/>
+                <a:cs typeface="+mn-cs"/>
+              </a:defRPr>
+            </a:lvl6pPr>
+            <a:lvl7pPr marL="3656960" algn="l" defTabSz="1218987" rtl="0" eaLnBrk="1" latinLnBrk="0" hangingPunct="1">
+              <a:defRPr sz="2400" kern="1200">
+                <a:solidFill>
+                  <a:schemeClr val="tx1"/>
+                </a:solidFill>
+                <a:latin typeface="+mn-lt"/>
+                <a:ea typeface="+mn-ea"/>
+                <a:cs typeface="+mn-cs"/>
+              </a:defRPr>
+            </a:lvl7pPr>
+            <a:lvl8pPr marL="4266453" algn="l" defTabSz="1218987" rtl="0" eaLnBrk="1" latinLnBrk="0" hangingPunct="1">
+              <a:defRPr sz="2400" kern="1200">
+                <a:solidFill>
+                  <a:schemeClr val="tx1"/>
+                </a:solidFill>
+                <a:latin typeface="+mn-lt"/>
+                <a:ea typeface="+mn-ea"/>
+                <a:cs typeface="+mn-cs"/>
+              </a:defRPr>
+            </a:lvl8pPr>
+            <a:lvl9pPr marL="4875947" algn="l" defTabSz="1218987" rtl="0" eaLnBrk="1" latinLnBrk="0" hangingPunct="1">
+              <a:defRPr sz="2400" kern="1200">
+                <a:solidFill>
+                  <a:schemeClr val="tx1"/>
+                </a:solidFill>
+                <a:latin typeface="+mn-lt"/>
+                <a:ea typeface="+mn-ea"/>
+                <a:cs typeface="+mn-cs"/>
+              </a:defRPr>
+            </a:lvl9pPr>
+          </a:lstStyle>
+          <a:p>
+            <a:r>
+              <a:rPr lang="en-US" sz="1800" b="1" dirty="0">
+                <a:hlinkClick r:id="rId8"/>
+              </a:rPr>
+              <a:t>https://github.com/BG-IT-Edu/School-Programming/tree/main/Courses/Applied-Programmer/Programming-Fundamentals</a:t>
+            </a:r>
+            <a:endParaRPr lang="en-GB" sz="1800" b="1" dirty="0"/>
+          </a:p>
+        </p:txBody>
+      </p:sp>
     </p:spTree>
     <p:extLst>
       <p:ext uri="{BB962C8B-B14F-4D97-AF65-F5344CB8AC3E}">
@@ -5551,28 +5686,18 @@
           </a:lstStyle>
           <a:p>
             <a:r>
-              <a:rPr lang="bg-BG" dirty="0" smtClean="0"/>
+              <a:rPr lang="bg-BG" dirty="0"/>
               <a:t>Тествайте</a:t>
             </a:r>
             <a:r>
-              <a:rPr lang="en-US" dirty="0" smtClean="0"/>
-              <a:t> </a:t>
-            </a:r>
-            <a:r>
               <a:rPr lang="en-US" dirty="0"/>
-              <a:t>в Judge: </a:t>
+              <a:t> в Judge: </a:t>
             </a:r>
             <a:r>
               <a:rPr lang="en-US" dirty="0">
                 <a:hlinkClick r:id="rId2"/>
               </a:rPr>
-              <a:t>https://</a:t>
-            </a:r>
-            <a:r>
-              <a:rPr lang="en-US" dirty="0" smtClean="0">
-                <a:hlinkClick r:id="rId2"/>
-              </a:rPr>
-              <a:t>judge.softuni.bg/Contests/2656</a:t>
+              <a:t>https://judge.softuni.bg/Contests/2656</a:t>
             </a:r>
             <a:endParaRPr lang="en-US" dirty="0"/>
           </a:p>
@@ -7337,28 +7462,18 @@
           </a:lstStyle>
           <a:p>
             <a:r>
-              <a:rPr lang="bg-BG" sz="2200" dirty="0" smtClean="0"/>
+              <a:rPr lang="bg-BG" sz="2200" dirty="0"/>
               <a:t>Тествайте</a:t>
             </a:r>
             <a:r>
-              <a:rPr lang="en-US" sz="2200" dirty="0" smtClean="0"/>
-              <a:t> </a:t>
-            </a:r>
-            <a:r>
               <a:rPr lang="en-US" sz="2200" dirty="0"/>
-              <a:t>в Judge: </a:t>
+              <a:t> в Judge: </a:t>
             </a:r>
             <a:r>
               <a:rPr lang="en-US" sz="2200" dirty="0">
                 <a:hlinkClick r:id="rId2"/>
               </a:rPr>
-              <a:t>https://</a:t>
-            </a:r>
-            <a:r>
-              <a:rPr lang="en-US" sz="2200" dirty="0" smtClean="0">
-                <a:hlinkClick r:id="rId2"/>
-              </a:rPr>
-              <a:t>judge.softuni.bg/Contests/2656</a:t>
+              <a:t>https://judge.softuni.bg/Contests/2656</a:t>
             </a:r>
             <a:endParaRPr lang="en-US" sz="2200" dirty="0"/>
           </a:p>
@@ -10393,31 +10508,136 @@
       </p:sp>
       <p:sp>
         <p:nvSpPr>
-          <p:cNvPr id="3" name="Text Placeholder 2"/>
-          <p:cNvSpPr>
-            <a:spLocks noGrp="1"/>
+          <p:cNvPr id="6" name="Text Placeholder 11">
+            <a:extLst>
+              <a:ext uri="{FF2B5EF4-FFF2-40B4-BE49-F238E27FC236}">
+                <a16:creationId xmlns:a16="http://schemas.microsoft.com/office/drawing/2014/main" id="{C684DF03-401E-4C93-A219-74B06781A568}"/>
+              </a:ext>
+            </a:extLst>
+          </p:cNvPr>
+          <p:cNvSpPr txBox="1">
+            <a:spLocks/>
           </p:cNvSpPr>
-          <p:nvPr>
-            <p:ph type="body" sz="quarter" idx="10"/>
-          </p:nvPr>
+          <p:nvPr/>
         </p:nvSpPr>
-        <p:spPr>
+        <p:spPr bwMode="auto">
           <a:xfrm>
-            <a:off x="1529384" y="6400802"/>
-            <a:ext cx="10482604" cy="351754"/>
+            <a:off x="303212" y="6400800"/>
+            <a:ext cx="11885613" cy="349702"/>
           </a:xfrm>
+          <a:prstGeom prst="rect">
+            <a:avLst/>
+          </a:prstGeom>
+          <a:noFill/>
+          <a:effectLst/>
         </p:spPr>
         <p:txBody>
-          <a:bodyPr/>
-          <a:lstStyle/>
-          <a:p>
-            <a:r>
-              <a:rPr lang="en-US" dirty="0">
+          <a:bodyPr vert="horz" wrap="square" lIns="36000" tIns="36000" rIns="36000" bIns="36000" rtlCol="0" anchor="ctr" anchorCtr="0">
+            <a:spAutoFit/>
+          </a:bodyPr>
+          <a:lstStyle>
+            <a:defPPr>
+              <a:defRPr lang="en-US"/>
+            </a:defPPr>
+            <a:lvl1pPr marL="0" algn="l" defTabSz="1218987" rtl="0" eaLnBrk="1" latinLnBrk="0" hangingPunct="1">
+              <a:defRPr sz="2400" kern="1200">
+                <a:solidFill>
+                  <a:schemeClr val="tx1"/>
+                </a:solidFill>
+                <a:latin typeface="+mn-lt"/>
+                <a:ea typeface="+mn-ea"/>
+                <a:cs typeface="+mn-cs"/>
+              </a:defRPr>
+            </a:lvl1pPr>
+            <a:lvl2pPr marL="609493" algn="l" defTabSz="1218987" rtl="0" eaLnBrk="1" latinLnBrk="0" hangingPunct="1">
+              <a:defRPr sz="2400" kern="1200">
+                <a:solidFill>
+                  <a:schemeClr val="tx1"/>
+                </a:solidFill>
+                <a:latin typeface="+mn-lt"/>
+                <a:ea typeface="+mn-ea"/>
+                <a:cs typeface="+mn-cs"/>
+              </a:defRPr>
+            </a:lvl2pPr>
+            <a:lvl3pPr marL="1218987" algn="l" defTabSz="1218987" rtl="0" eaLnBrk="1" latinLnBrk="0" hangingPunct="1">
+              <a:defRPr sz="2400" kern="1200">
+                <a:solidFill>
+                  <a:schemeClr val="tx1"/>
+                </a:solidFill>
+                <a:latin typeface="+mn-lt"/>
+                <a:ea typeface="+mn-ea"/>
+                <a:cs typeface="+mn-cs"/>
+              </a:defRPr>
+            </a:lvl3pPr>
+            <a:lvl4pPr marL="1828480" algn="l" defTabSz="1218987" rtl="0" eaLnBrk="1" latinLnBrk="0" hangingPunct="1">
+              <a:defRPr sz="2400" kern="1200">
+                <a:solidFill>
+                  <a:schemeClr val="tx1"/>
+                </a:solidFill>
+                <a:latin typeface="+mn-lt"/>
+                <a:ea typeface="+mn-ea"/>
+                <a:cs typeface="+mn-cs"/>
+              </a:defRPr>
+            </a:lvl4pPr>
+            <a:lvl5pPr marL="2437973" algn="l" defTabSz="1218987" rtl="0" eaLnBrk="1" latinLnBrk="0" hangingPunct="1">
+              <a:defRPr sz="2400" kern="1200">
+                <a:solidFill>
+                  <a:schemeClr val="tx1"/>
+                </a:solidFill>
+                <a:latin typeface="+mn-lt"/>
+                <a:ea typeface="+mn-ea"/>
+                <a:cs typeface="+mn-cs"/>
+              </a:defRPr>
+            </a:lvl5pPr>
+            <a:lvl6pPr marL="3047467" algn="l" defTabSz="1218987" rtl="0" eaLnBrk="1" latinLnBrk="0" hangingPunct="1">
+              <a:defRPr sz="2400" kern="1200">
+                <a:solidFill>
+                  <a:schemeClr val="tx1"/>
+                </a:solidFill>
+                <a:latin typeface="+mn-lt"/>
+                <a:ea typeface="+mn-ea"/>
+                <a:cs typeface="+mn-cs"/>
+              </a:defRPr>
+            </a:lvl6pPr>
+            <a:lvl7pPr marL="3656960" algn="l" defTabSz="1218987" rtl="0" eaLnBrk="1" latinLnBrk="0" hangingPunct="1">
+              <a:defRPr sz="2400" kern="1200">
+                <a:solidFill>
+                  <a:schemeClr val="tx1"/>
+                </a:solidFill>
+                <a:latin typeface="+mn-lt"/>
+                <a:ea typeface="+mn-ea"/>
+                <a:cs typeface="+mn-cs"/>
+              </a:defRPr>
+            </a:lvl7pPr>
+            <a:lvl8pPr marL="4266453" algn="l" defTabSz="1218987" rtl="0" eaLnBrk="1" latinLnBrk="0" hangingPunct="1">
+              <a:defRPr sz="2400" kern="1200">
+                <a:solidFill>
+                  <a:schemeClr val="tx1"/>
+                </a:solidFill>
+                <a:latin typeface="+mn-lt"/>
+                <a:ea typeface="+mn-ea"/>
+                <a:cs typeface="+mn-cs"/>
+              </a:defRPr>
+            </a:lvl8pPr>
+            <a:lvl9pPr marL="4875947" algn="l" defTabSz="1218987" rtl="0" eaLnBrk="1" latinLnBrk="0" hangingPunct="1">
+              <a:defRPr sz="2400" kern="1200">
+                <a:solidFill>
+                  <a:schemeClr val="tx1"/>
+                </a:solidFill>
+                <a:latin typeface="+mn-lt"/>
+                <a:ea typeface="+mn-ea"/>
+                <a:cs typeface="+mn-cs"/>
+              </a:defRPr>
+            </a:lvl9pPr>
+          </a:lstStyle>
+          <a:p>
+            <a:r>
+              <a:rPr lang="en-US" sz="1800" b="1" dirty="0">
                 <a:hlinkClick r:id="rId3"/>
               </a:rPr>
-              <a:t>https://it-kariera.mon.bg/e-learning/</a:t>
-            </a:r>
-            <a:endParaRPr lang="en-US" dirty="0"/>
+              <a:t>https://github.com/BG-IT-Edu/School-Programming/tree/main/Courses/Applied-Programmer/Programming-Fundamentals</a:t>
+            </a:r>
+            <a:endParaRPr lang="en-GB" sz="1800" b="1" dirty="0"/>
           </a:p>
         </p:txBody>
       </p:sp>

--- a/Courses/Applied-Programmer/Programming-Fundamentals/03-Масиви-и-списъци/13.Списъци-увод.pptx
+++ b/Courses/Applied-Programmer/Programming-Fundamentals/03-Масиви-и-списъци/13.Списъци-увод.pptx
@@ -361,7 +361,7 @@
             <a:fld id="{FE5B4EDC-59C0-49C7-8ADA-5A781B329E02}" type="datetimeFigureOut">
               <a:rPr lang="en-US"/>
               <a:pPr/>
-              <a:t>19-Nov-20</a:t>
+              <a:t>21-Nov-20</a:t>
             </a:fld>
             <a:endParaRPr dirty="0"/>
           </a:p>
@@ -659,7 +659,7 @@
             <a:fld id="{F2D8D46A-B586-417D-BFBD-8C8FE0AAF762}" type="datetimeFigureOut">
               <a:rPr lang="en-US" smtClean="0"/>
               <a:pPr/>
-              <a:t>19-Nov-20</a:t>
+              <a:t>21-Nov-20</a:t>
             </a:fld>
             <a:endParaRPr lang="en-US" dirty="0"/>
           </a:p>
@@ -6034,6 +6034,51 @@
                       </p:childTnLst>
                     </p:cTn>
                   </p:par>
+                  <p:par>
+                    <p:cTn id="27" fill="hold">
+                      <p:stCondLst>
+                        <p:cond delay="indefinite"/>
+                      </p:stCondLst>
+                      <p:childTnLst>
+                        <p:par>
+                          <p:cTn id="28" fill="hold">
+                            <p:stCondLst>
+                              <p:cond delay="0"/>
+                            </p:stCondLst>
+                            <p:childTnLst>
+                              <p:par>
+                                <p:cTn id="29" presetID="1" presetClass="entr" presetSubtype="0" fill="hold" grpId="0" nodeType="clickEffect">
+                                  <p:stCondLst>
+                                    <p:cond delay="0"/>
+                                  </p:stCondLst>
+                                  <p:childTnLst>
+                                    <p:set>
+                                      <p:cBhvr>
+                                        <p:cTn id="30" dur="1" fill="hold">
+                                          <p:stCondLst>
+                                            <p:cond delay="0"/>
+                                          </p:stCondLst>
+                                        </p:cTn>
+                                        <p:tgtEl>
+                                          <p:spTgt spid="8"/>
+                                        </p:tgtEl>
+                                        <p:attrNameLst>
+                                          <p:attrName>style.visibility</p:attrName>
+                                        </p:attrNameLst>
+                                      </p:cBhvr>
+                                      <p:to>
+                                        <p:strVal val="visible"/>
+                                      </p:to>
+                                    </p:set>
+                                  </p:childTnLst>
+                                </p:cTn>
+                              </p:par>
+                            </p:childTnLst>
+                          </p:cTn>
+                        </p:par>
+                      </p:childTnLst>
+                    </p:cTn>
+                  </p:par>
                 </p:childTnLst>
               </p:cTn>
               <p:prevCondLst>
@@ -6059,6 +6104,7 @@
       <p:bldP spid="573443" grpId="0" uiExpand="1" build="p"/>
       <p:bldP spid="573444" grpId="0" animBg="1"/>
       <p:bldP spid="573445" grpId="0" animBg="1"/>
+      <p:bldP spid="8" grpId="0"/>
     </p:bldLst>
   </p:timing>
 </p:sld>
@@ -7855,6 +7901,51 @@
                       </p:childTnLst>
                     </p:cTn>
                   </p:par>
+                  <p:par>
+                    <p:cTn id="33" fill="hold">
+                      <p:stCondLst>
+                        <p:cond delay="indefinite"/>
+                      </p:stCondLst>
+                      <p:childTnLst>
+                        <p:par>
+                          <p:cTn id="34" fill="hold">
+                            <p:stCondLst>
+                              <p:cond delay="0"/>
+                            </p:stCondLst>
+                            <p:childTnLst>
+                              <p:par>
+                                <p:cTn id="35" presetID="1" presetClass="entr" presetSubtype="0" fill="hold" grpId="0" nodeType="clickEffect">
+                                  <p:stCondLst>
+                                    <p:cond delay="0"/>
+                                  </p:stCondLst>
+                                  <p:childTnLst>
+                                    <p:set>
+                                      <p:cBhvr>
+                                        <p:cTn id="36" dur="1" fill="hold">
+                                          <p:stCondLst>
+                                            <p:cond delay="0"/>
+                                          </p:stCondLst>
+                                        </p:cTn>
+                                        <p:tgtEl>
+                                          <p:spTgt spid="14"/>
+                                        </p:tgtEl>
+                                        <p:attrNameLst>
+                                          <p:attrName>style.visibility</p:attrName>
+                                        </p:attrNameLst>
+                                      </p:cBhvr>
+                                      <p:to>
+                                        <p:strVal val="visible"/>
+                                      </p:to>
+                                    </p:set>
+                                  </p:childTnLst>
+                                </p:cTn>
+                              </p:par>
+                            </p:childTnLst>
+                          </p:cTn>
+                        </p:par>
+                      </p:childTnLst>
+                    </p:cTn>
+                  </p:par>
                 </p:childTnLst>
               </p:cTn>
               <p:prevCondLst>
@@ -7881,6 +7972,7 @@
       <p:bldP spid="10" grpId="0" animBg="1"/>
       <p:bldP spid="12" grpId="0" animBg="1"/>
       <p:bldP spid="13" grpId="0" animBg="1"/>
+      <p:bldP spid="14" grpId="0"/>
     </p:bldLst>
   </p:timing>
 </p:sld>
@@ -10130,6 +10222,9 @@
                     <p:cTn id="3" fill="hold">
                       <p:stCondLst>
                         <p:cond delay="indefinite"/>
+                        <p:cond evt="onBegin" delay="0">
+                          <p:tn val="2"/>
+                        </p:cond>
                       </p:stCondLst>
                       <p:childTnLst>
                         <p:par>
@@ -10139,7 +10234,7 @@
                             </p:stCondLst>
                             <p:childTnLst>
                               <p:par>
-                                <p:cTn id="5" presetID="1" presetClass="entr" presetSubtype="0" fill="hold" nodeType="clickEffect">
+                                <p:cTn id="5" presetID="1" presetClass="entr" presetSubtype="0" fill="hold" nodeType="withEffect">
                                   <p:stCondLst>
                                     <p:cond delay="0"/>
                                   </p:stCondLst>
@@ -10169,15 +10264,33 @@
                                   </p:childTnLst>
                                 </p:cTn>
                               </p:par>
+                            </p:childTnLst>
+                          </p:cTn>
+                        </p:par>
+                      </p:childTnLst>
+                    </p:cTn>
+                  </p:par>
+                  <p:par>
+                    <p:cTn id="7" fill="hold">
+                      <p:stCondLst>
+                        <p:cond delay="indefinite"/>
+                      </p:stCondLst>
+                      <p:childTnLst>
+                        <p:par>
+                          <p:cTn id="8" fill="hold">
+                            <p:stCondLst>
+                              <p:cond delay="0"/>
+                            </p:stCondLst>
+                            <p:childTnLst>
                               <p:par>
-                                <p:cTn id="7" presetID="1" presetClass="entr" presetSubtype="0" fill="hold" nodeType="withEffect">
+                                <p:cTn id="9" presetID="1" presetClass="entr" presetSubtype="0" fill="hold" nodeType="clickEffect">
                                   <p:stCondLst>
                                     <p:cond delay="0"/>
                                   </p:stCondLst>
                                   <p:childTnLst>
                                     <p:set>
                                       <p:cBhvr>
-                                        <p:cTn id="8" dur="1" fill="hold">
+                                        <p:cTn id="10" dur="1" fill="hold">
                                           <p:stCondLst>
                                             <p:cond delay="0"/>
                                           </p:stCondLst>
@@ -10207,26 +10320,26 @@
                     </p:cTn>
                   </p:par>
                   <p:par>
-                    <p:cTn id="9" fill="hold">
+                    <p:cTn id="11" fill="hold">
                       <p:stCondLst>
                         <p:cond delay="indefinite"/>
                       </p:stCondLst>
                       <p:childTnLst>
                         <p:par>
-                          <p:cTn id="10" fill="hold">
+                          <p:cTn id="12" fill="hold">
                             <p:stCondLst>
                               <p:cond delay="0"/>
                             </p:stCondLst>
                             <p:childTnLst>
                               <p:par>
-                                <p:cTn id="11" presetID="1" presetClass="entr" presetSubtype="0" fill="hold" nodeType="clickEffect">
+                                <p:cTn id="13" presetID="1" presetClass="entr" presetSubtype="0" fill="hold" nodeType="clickEffect">
                                   <p:stCondLst>
                                     <p:cond delay="0"/>
                                   </p:stCondLst>
                                   <p:childTnLst>
                                     <p:set>
                                       <p:cBhvr>
-                                        <p:cTn id="12" dur="1" fill="hold">
+                                        <p:cTn id="14" dur="1" fill="hold">
                                           <p:stCondLst>
                                             <p:cond delay="0"/>
                                           </p:stCondLst>
@@ -10249,26 +10362,8 @@
                                   </p:childTnLst>
                                 </p:cTn>
                               </p:par>
-                            </p:childTnLst>
-                          </p:cTn>
-                        </p:par>
-                      </p:childTnLst>
-                    </p:cTn>
-                  </p:par>
-                  <p:par>
-                    <p:cTn id="13" fill="hold">
-                      <p:stCondLst>
-                        <p:cond delay="indefinite"/>
-                      </p:stCondLst>
-                      <p:childTnLst>
-                        <p:par>
-                          <p:cTn id="14" fill="hold">
-                            <p:stCondLst>
-                              <p:cond delay="0"/>
-                            </p:stCondLst>
-                            <p:childTnLst>
                               <p:par>
-                                <p:cTn id="15" presetID="1" presetClass="entr" presetSubtype="0" fill="hold" nodeType="clickEffect">
+                                <p:cTn id="15" presetID="1" presetClass="entr" presetSubtype="0" fill="hold" grpId="0" nodeType="withEffect">
                                   <p:stCondLst>
                                     <p:cond delay="0"/>
                                   </p:stCondLst>
@@ -10281,11 +10376,7 @@
                                           </p:stCondLst>
                                         </p:cTn>
                                         <p:tgtEl>
-                                          <p:spTgt spid="5">
-                                            <p:txEl>
-                                              <p:pRg st="5" end="5"/>
-                                            </p:txEl>
-                                          </p:spTgt>
+                                          <p:spTgt spid="12"/>
                                         </p:tgtEl>
                                         <p:attrNameLst>
                                           <p:attrName>style.visibility</p:attrName>
@@ -10332,7 +10423,7 @@
                                         <p:tgtEl>
                                           <p:spTgt spid="5">
                                             <p:txEl>
-                                              <p:pRg st="6" end="6"/>
+                                              <p:pRg st="5" end="5"/>
                                             </p:txEl>
                                           </p:spTgt>
                                         </p:tgtEl>
@@ -10361,7 +10452,56 @@
                                           </p:stCondLst>
                                         </p:cTn>
                                         <p:tgtEl>
-                                          <p:spTgt spid="12"/>
+                                          <p:spTgt spid="13"/>
+                                        </p:tgtEl>
+                                        <p:attrNameLst>
+                                          <p:attrName>style.visibility</p:attrName>
+                                        </p:attrNameLst>
+                                      </p:cBhvr>
+                                      <p:to>
+                                        <p:strVal val="visible"/>
+                                      </p:to>
+                                    </p:set>
+                                  </p:childTnLst>
+                                </p:cTn>
+                              </p:par>
+                            </p:childTnLst>
+                          </p:cTn>
+                        </p:par>
+                      </p:childTnLst>
+                    </p:cTn>
+                  </p:par>
+                  <p:par>
+                    <p:cTn id="23" fill="hold">
+                      <p:stCondLst>
+                        <p:cond delay="indefinite"/>
+                      </p:stCondLst>
+                      <p:childTnLst>
+                        <p:par>
+                          <p:cTn id="24" fill="hold">
+                            <p:stCondLst>
+                              <p:cond delay="0"/>
+                            </p:stCondLst>
+                            <p:childTnLst>
+                              <p:par>
+                                <p:cTn id="25" presetID="1" presetClass="entr" presetSubtype="0" fill="hold" nodeType="clickEffect">
+                                  <p:stCondLst>
+                                    <p:cond delay="0"/>
+                                  </p:stCondLst>
+                                  <p:childTnLst>
+                                    <p:set>
+                                      <p:cBhvr>
+                                        <p:cTn id="26" dur="1" fill="hold">
+                                          <p:stCondLst>
+                                            <p:cond delay="0"/>
+                                          </p:stCondLst>
+                                        </p:cTn>
+                                        <p:tgtEl>
+                                          <p:spTgt spid="5">
+                                            <p:txEl>
+                                              <p:pRg st="6" end="6"/>
+                                            </p:txEl>
+                                          </p:spTgt>
                                         </p:tgtEl>
                                         <p:attrNameLst>
                                           <p:attrName>style.visibility</p:attrName>
@@ -10375,41 +10515,14 @@
                                 </p:cTn>
                               </p:par>
                               <p:par>
-                                <p:cTn id="23" presetID="1" presetClass="entr" presetSubtype="0" fill="hold" grpId="0" nodeType="withEffect">
+                                <p:cTn id="27" presetID="1" presetClass="entr" presetSubtype="0" fill="hold" grpId="0" nodeType="withEffect">
                                   <p:stCondLst>
                                     <p:cond delay="0"/>
                                   </p:stCondLst>
                                   <p:childTnLst>
                                     <p:set>
                                       <p:cBhvr>
-                                        <p:cTn id="24" dur="1" fill="hold">
-                                          <p:stCondLst>
-                                            <p:cond delay="0"/>
-                                          </p:stCondLst>
-                                        </p:cTn>
-                                        <p:tgtEl>
-                                          <p:spTgt spid="13"/>
-                                        </p:tgtEl>
-                                        <p:attrNameLst>
-                                          <p:attrName>style.visibility</p:attrName>
-                                        </p:attrNameLst>
-                                      </p:cBhvr>
-                                      <p:to>
-                                        <p:strVal val="visible"/>
-                                      </p:to>
-                                    </p:set>
-                                  </p:childTnLst>
-                                </p:cTn>
-                              </p:par>
-                              <p:par>
-                                <p:cTn id="25" presetID="1" presetClass="entr" presetSubtype="0" fill="hold" grpId="0" nodeType="withEffect">
-                                  <p:stCondLst>
-                                    <p:cond delay="0"/>
-                                  </p:stCondLst>
-                                  <p:childTnLst>
-                                    <p:set>
-                                      <p:cBhvr>
-                                        <p:cTn id="26" dur="1" fill="hold">
+                                        <p:cTn id="28" dur="1" fill="hold">
                                           <p:stCondLst>
                                             <p:cond delay="0"/>
                                           </p:stCondLst>
@@ -11341,6 +11454,134 @@
   <p:clrMapOvr>
     <a:masterClrMapping/>
   </p:clrMapOvr>
+  <p:timing>
+    <p:tnLst>
+      <p:par>
+        <p:cTn id="1" dur="indefinite" restart="never" nodeType="tmRoot">
+          <p:childTnLst>
+            <p:seq concurrent="1" nextAc="seek">
+              <p:cTn id="2" dur="indefinite" nodeType="mainSeq">
+                <p:childTnLst>
+                  <p:par>
+                    <p:cTn id="3" fill="hold">
+                      <p:stCondLst>
+                        <p:cond delay="indefinite"/>
+                      </p:stCondLst>
+                      <p:childTnLst>
+                        <p:par>
+                          <p:cTn id="4" fill="hold">
+                            <p:stCondLst>
+                              <p:cond delay="0"/>
+                            </p:stCondLst>
+                            <p:childTnLst>
+                              <p:par>
+                                <p:cTn id="5" presetID="1" presetClass="entr" presetSubtype="0" fill="hold" nodeType="clickEffect">
+                                  <p:stCondLst>
+                                    <p:cond delay="0"/>
+                                  </p:stCondLst>
+                                  <p:childTnLst>
+                                    <p:set>
+                                      <p:cBhvr>
+                                        <p:cTn id="6" dur="1" fill="hold">
+                                          <p:stCondLst>
+                                            <p:cond delay="0"/>
+                                          </p:stCondLst>
+                                        </p:cTn>
+                                        <p:tgtEl>
+                                          <p:spTgt spid="7">
+                                            <p:txEl>
+                                              <p:pRg st="1" end="1"/>
+                                            </p:txEl>
+                                          </p:spTgt>
+                                        </p:tgtEl>
+                                        <p:attrNameLst>
+                                          <p:attrName>style.visibility</p:attrName>
+                                        </p:attrNameLst>
+                                      </p:cBhvr>
+                                      <p:to>
+                                        <p:strVal val="visible"/>
+                                      </p:to>
+                                    </p:set>
+                                  </p:childTnLst>
+                                </p:cTn>
+                              </p:par>
+                            </p:childTnLst>
+                          </p:cTn>
+                        </p:par>
+                      </p:childTnLst>
+                    </p:cTn>
+                  </p:par>
+                  <p:par>
+                    <p:cTn id="7" fill="hold">
+                      <p:stCondLst>
+                        <p:cond delay="indefinite"/>
+                      </p:stCondLst>
+                      <p:childTnLst>
+                        <p:par>
+                          <p:cTn id="8" fill="hold">
+                            <p:stCondLst>
+                              <p:cond delay="0"/>
+                            </p:stCondLst>
+                            <p:childTnLst>
+                              <p:par>
+                                <p:cTn id="9" presetID="1" presetClass="entr" presetSubtype="0" fill="hold" nodeType="clickEffect">
+                                  <p:stCondLst>
+                                    <p:cond delay="0"/>
+                                  </p:stCondLst>
+                                  <p:childTnLst>
+                                    <p:set>
+                                      <p:cBhvr>
+                                        <p:cTn id="10" dur="1" fill="hold">
+                                          <p:stCondLst>
+                                            <p:cond delay="0"/>
+                                          </p:stCondLst>
+                                        </p:cTn>
+                                        <p:tgtEl>
+                                          <p:spTgt spid="7">
+                                            <p:txEl>
+                                              <p:pRg st="2" end="2"/>
+                                            </p:txEl>
+                                          </p:spTgt>
+                                        </p:tgtEl>
+                                        <p:attrNameLst>
+                                          <p:attrName>style.visibility</p:attrName>
+                                        </p:attrNameLst>
+                                      </p:cBhvr>
+                                      <p:to>
+                                        <p:strVal val="visible"/>
+                                      </p:to>
+                                    </p:set>
+                                  </p:childTnLst>
+                                </p:cTn>
+                              </p:par>
+                            </p:childTnLst>
+                          </p:cTn>
+                        </p:par>
+                      </p:childTnLst>
+                    </p:cTn>
+                  </p:par>
+                </p:childTnLst>
+              </p:cTn>
+              <p:prevCondLst>
+                <p:cond evt="onPrev" delay="0">
+                  <p:tgtEl>
+                    <p:sldTgt/>
+                  </p:tgtEl>
+                </p:cond>
+              </p:prevCondLst>
+              <p:nextCondLst>
+                <p:cond evt="onNext" delay="0">
+                  <p:tgtEl>
+                    <p:sldTgt/>
+                  </p:tgtEl>
+                </p:cond>
+              </p:nextCondLst>
+            </p:seq>
+          </p:childTnLst>
+        </p:cTn>
+      </p:par>
+    </p:tnLst>
+  </p:timing>
 </p:sld>
 </file>
 
@@ -12808,7 +13049,7 @@
                             </p:stCondLst>
                             <p:childTnLst>
                               <p:par>
-                                <p:cTn id="5" presetID="1" presetClass="entr" presetSubtype="0" fill="hold" grpId="0" nodeType="clickEffect">
+                                <p:cTn id="5" presetID="1" presetClass="entr" presetSubtype="0" fill="hold" nodeType="clickEffect">
                                   <p:stCondLst>
                                     <p:cond delay="0"/>
                                   </p:stCondLst>
@@ -12821,7 +13062,634 @@
                                           </p:stCondLst>
                                         </p:cTn>
                                         <p:tgtEl>
+                                          <p:spTgt spid="5">
+                                            <p:txEl>
+                                              <p:pRg st="0" end="0"/>
+                                            </p:txEl>
+                                          </p:spTgt>
+                                        </p:tgtEl>
+                                        <p:attrNameLst>
+                                          <p:attrName>style.visibility</p:attrName>
+                                        </p:attrNameLst>
+                                      </p:cBhvr>
+                                      <p:to>
+                                        <p:strVal val="visible"/>
+                                      </p:to>
+                                    </p:set>
+                                  </p:childTnLst>
+                                </p:cTn>
+                              </p:par>
+                            </p:childTnLst>
+                          </p:cTn>
+                        </p:par>
+                      </p:childTnLst>
+                    </p:cTn>
+                  </p:par>
+                  <p:par>
+                    <p:cTn id="7" fill="hold">
+                      <p:stCondLst>
+                        <p:cond delay="indefinite"/>
+                      </p:stCondLst>
+                      <p:childTnLst>
+                        <p:par>
+                          <p:cTn id="8" fill="hold">
+                            <p:stCondLst>
+                              <p:cond delay="0"/>
+                            </p:stCondLst>
+                            <p:childTnLst>
+                              <p:par>
+                                <p:cTn id="9" presetID="1" presetClass="entr" presetSubtype="0" fill="hold" nodeType="clickEffect">
+                                  <p:stCondLst>
+                                    <p:cond delay="0"/>
+                                  </p:stCondLst>
+                                  <p:childTnLst>
+                                    <p:set>
+                                      <p:cBhvr>
+                                        <p:cTn id="10" dur="1" fill="hold">
+                                          <p:stCondLst>
+                                            <p:cond delay="0"/>
+                                          </p:stCondLst>
+                                        </p:cTn>
+                                        <p:tgtEl>
+                                          <p:spTgt spid="5">
+                                            <p:txEl>
+                                              <p:pRg st="1" end="1"/>
+                                            </p:txEl>
+                                          </p:spTgt>
+                                        </p:tgtEl>
+                                        <p:attrNameLst>
+                                          <p:attrName>style.visibility</p:attrName>
+                                        </p:attrNameLst>
+                                      </p:cBhvr>
+                                      <p:to>
+                                        <p:strVal val="visible"/>
+                                      </p:to>
+                                    </p:set>
+                                  </p:childTnLst>
+                                </p:cTn>
+                              </p:par>
+                              <p:par>
+                                <p:cTn id="11" presetID="1" presetClass="entr" presetSubtype="0" fill="hold" nodeType="withEffect">
+                                  <p:stCondLst>
+                                    <p:cond delay="0"/>
+                                  </p:stCondLst>
+                                  <p:childTnLst>
+                                    <p:set>
+                                      <p:cBhvr>
+                                        <p:cTn id="12" dur="1" fill="hold">
+                                          <p:stCondLst>
+                                            <p:cond delay="0"/>
+                                          </p:stCondLst>
+                                        </p:cTn>
+                                        <p:tgtEl>
+                                          <p:spTgt spid="5">
+                                            <p:txEl>
+                                              <p:pRg st="2" end="2"/>
+                                            </p:txEl>
+                                          </p:spTgt>
+                                        </p:tgtEl>
+                                        <p:attrNameLst>
+                                          <p:attrName>style.visibility</p:attrName>
+                                        </p:attrNameLst>
+                                      </p:cBhvr>
+                                      <p:to>
+                                        <p:strVal val="visible"/>
+                                      </p:to>
+                                    </p:set>
+                                  </p:childTnLst>
+                                </p:cTn>
+                              </p:par>
+                              <p:par>
+                                <p:cTn id="13" presetID="1" presetClass="entr" presetSubtype="0" fill="hold" nodeType="withEffect">
+                                  <p:stCondLst>
+                                    <p:cond delay="0"/>
+                                  </p:stCondLst>
+                                  <p:childTnLst>
+                                    <p:set>
+                                      <p:cBhvr>
+                                        <p:cTn id="14" dur="1" fill="hold">
+                                          <p:stCondLst>
+                                            <p:cond delay="0"/>
+                                          </p:stCondLst>
+                                        </p:cTn>
+                                        <p:tgtEl>
+                                          <p:spTgt spid="5">
+                                            <p:txEl>
+                                              <p:pRg st="3" end="3"/>
+                                            </p:txEl>
+                                          </p:spTgt>
+                                        </p:tgtEl>
+                                        <p:attrNameLst>
+                                          <p:attrName>style.visibility</p:attrName>
+                                        </p:attrNameLst>
+                                      </p:cBhvr>
+                                      <p:to>
+                                        <p:strVal val="visible"/>
+                                      </p:to>
+                                    </p:set>
+                                  </p:childTnLst>
+                                </p:cTn>
+                              </p:par>
+                            </p:childTnLst>
+                          </p:cTn>
+                        </p:par>
+                      </p:childTnLst>
+                    </p:cTn>
+                  </p:par>
+                  <p:par>
+                    <p:cTn id="15" fill="hold">
+                      <p:stCondLst>
+                        <p:cond delay="indefinite"/>
+                      </p:stCondLst>
+                      <p:childTnLst>
+                        <p:par>
+                          <p:cTn id="16" fill="hold">
+                            <p:stCondLst>
+                              <p:cond delay="0"/>
+                            </p:stCondLst>
+                            <p:childTnLst>
+                              <p:par>
+                                <p:cTn id="17" presetID="1" presetClass="entr" presetSubtype="0" fill="hold" nodeType="clickEffect">
+                                  <p:stCondLst>
+                                    <p:cond delay="0"/>
+                                  </p:stCondLst>
+                                  <p:childTnLst>
+                                    <p:set>
+                                      <p:cBhvr>
+                                        <p:cTn id="18" dur="1" fill="hold">
+                                          <p:stCondLst>
+                                            <p:cond delay="0"/>
+                                          </p:stCondLst>
+                                        </p:cTn>
+                                        <p:tgtEl>
+                                          <p:spTgt spid="5">
+                                            <p:txEl>
+                                              <p:pRg st="4" end="4"/>
+                                            </p:txEl>
+                                          </p:spTgt>
+                                        </p:tgtEl>
+                                        <p:attrNameLst>
+                                          <p:attrName>style.visibility</p:attrName>
+                                        </p:attrNameLst>
+                                      </p:cBhvr>
+                                      <p:to>
+                                        <p:strVal val="visible"/>
+                                      </p:to>
+                                    </p:set>
+                                  </p:childTnLst>
+                                </p:cTn>
+                              </p:par>
+                            </p:childTnLst>
+                          </p:cTn>
+                        </p:par>
+                      </p:childTnLst>
+                    </p:cTn>
+                  </p:par>
+                  <p:par>
+                    <p:cTn id="19" fill="hold">
+                      <p:stCondLst>
+                        <p:cond delay="indefinite"/>
+                      </p:stCondLst>
+                      <p:childTnLst>
+                        <p:par>
+                          <p:cTn id="20" fill="hold">
+                            <p:stCondLst>
+                              <p:cond delay="0"/>
+                            </p:stCondLst>
+                            <p:childTnLst>
+                              <p:par>
+                                <p:cTn id="21" presetID="1" presetClass="entr" presetSubtype="0" fill="hold" nodeType="clickEffect">
+                                  <p:stCondLst>
+                                    <p:cond delay="0"/>
+                                  </p:stCondLst>
+                                  <p:childTnLst>
+                                    <p:set>
+                                      <p:cBhvr>
+                                        <p:cTn id="22" dur="1" fill="hold">
+                                          <p:stCondLst>
+                                            <p:cond delay="0"/>
+                                          </p:stCondLst>
+                                        </p:cTn>
+                                        <p:tgtEl>
+                                          <p:spTgt spid="5">
+                                            <p:txEl>
+                                              <p:pRg st="5" end="5"/>
+                                            </p:txEl>
+                                          </p:spTgt>
+                                        </p:tgtEl>
+                                        <p:attrNameLst>
+                                          <p:attrName>style.visibility</p:attrName>
+                                        </p:attrNameLst>
+                                      </p:cBhvr>
+                                      <p:to>
+                                        <p:strVal val="visible"/>
+                                      </p:to>
+                                    </p:set>
+                                  </p:childTnLst>
+                                </p:cTn>
+                              </p:par>
+                            </p:childTnLst>
+                          </p:cTn>
+                        </p:par>
+                      </p:childTnLst>
+                    </p:cTn>
+                  </p:par>
+                  <p:par>
+                    <p:cTn id="23" fill="hold">
+                      <p:stCondLst>
+                        <p:cond delay="indefinite"/>
+                      </p:stCondLst>
+                      <p:childTnLst>
+                        <p:par>
+                          <p:cTn id="24" fill="hold">
+                            <p:stCondLst>
+                              <p:cond delay="0"/>
+                            </p:stCondLst>
+                            <p:childTnLst>
+                              <p:par>
+                                <p:cTn id="25" presetID="1" presetClass="entr" presetSubtype="0" fill="hold" nodeType="clickEffect">
+                                  <p:stCondLst>
+                                    <p:cond delay="0"/>
+                                  </p:stCondLst>
+                                  <p:childTnLst>
+                                    <p:set>
+                                      <p:cBhvr>
+                                        <p:cTn id="26" dur="1" fill="hold">
+                                          <p:stCondLst>
+                                            <p:cond delay="0"/>
+                                          </p:stCondLst>
+                                        </p:cTn>
+                                        <p:tgtEl>
+                                          <p:spTgt spid="5">
+                                            <p:txEl>
+                                              <p:pRg st="6" end="6"/>
+                                            </p:txEl>
+                                          </p:spTgt>
+                                        </p:tgtEl>
+                                        <p:attrNameLst>
+                                          <p:attrName>style.visibility</p:attrName>
+                                        </p:attrNameLst>
+                                      </p:cBhvr>
+                                      <p:to>
+                                        <p:strVal val="visible"/>
+                                      </p:to>
+                                    </p:set>
+                                  </p:childTnLst>
+                                </p:cTn>
+                              </p:par>
+                              <p:par>
+                                <p:cTn id="27" presetID="1" presetClass="entr" presetSubtype="0" fill="hold" nodeType="withEffect">
+                                  <p:stCondLst>
+                                    <p:cond delay="0"/>
+                                  </p:stCondLst>
+                                  <p:childTnLst>
+                                    <p:set>
+                                      <p:cBhvr>
+                                        <p:cTn id="28" dur="1" fill="hold">
+                                          <p:stCondLst>
+                                            <p:cond delay="0"/>
+                                          </p:stCondLst>
+                                        </p:cTn>
+                                        <p:tgtEl>
+                                          <p:spTgt spid="5">
+                                            <p:txEl>
+                                              <p:pRg st="7" end="7"/>
+                                            </p:txEl>
+                                          </p:spTgt>
+                                        </p:tgtEl>
+                                        <p:attrNameLst>
+                                          <p:attrName>style.visibility</p:attrName>
+                                        </p:attrNameLst>
+                                      </p:cBhvr>
+                                      <p:to>
+                                        <p:strVal val="visible"/>
+                                      </p:to>
+                                    </p:set>
+                                  </p:childTnLst>
+                                </p:cTn>
+                              </p:par>
+                            </p:childTnLst>
+                          </p:cTn>
+                        </p:par>
+                      </p:childTnLst>
+                    </p:cTn>
+                  </p:par>
+                  <p:par>
+                    <p:cTn id="29" fill="hold">
+                      <p:stCondLst>
+                        <p:cond delay="indefinite"/>
+                      </p:stCondLst>
+                      <p:childTnLst>
+                        <p:par>
+                          <p:cTn id="30" fill="hold">
+                            <p:stCondLst>
+                              <p:cond delay="0"/>
+                            </p:stCondLst>
+                            <p:childTnLst>
+                              <p:par>
+                                <p:cTn id="31" presetID="1" presetClass="entr" presetSubtype="0" fill="hold" grpId="0" nodeType="clickEffect">
+                                  <p:stCondLst>
+                                    <p:cond delay="0"/>
+                                  </p:stCondLst>
+                                  <p:childTnLst>
+                                    <p:set>
+                                      <p:cBhvr>
+                                        <p:cTn id="32" dur="1" fill="hold">
+                                          <p:stCondLst>
+                                            <p:cond delay="0"/>
+                                          </p:stCondLst>
+                                        </p:cTn>
+                                        <p:tgtEl>
                                           <p:spTgt spid="6"/>
+                                        </p:tgtEl>
+                                        <p:attrNameLst>
+                                          <p:attrName>style.visibility</p:attrName>
+                                        </p:attrNameLst>
+                                      </p:cBhvr>
+                                      <p:to>
+                                        <p:strVal val="visible"/>
+                                      </p:to>
+                                    </p:set>
+                                  </p:childTnLst>
+                                </p:cTn>
+                              </p:par>
+                              <p:par>
+                                <p:cTn id="33" presetID="1" presetClass="entr" presetSubtype="0" fill="hold" nodeType="withEffect">
+                                  <p:stCondLst>
+                                    <p:cond delay="0"/>
+                                  </p:stCondLst>
+                                  <p:childTnLst>
+                                    <p:set>
+                                      <p:cBhvr>
+                                        <p:cTn id="34" dur="1" fill="hold">
+                                          <p:stCondLst>
+                                            <p:cond delay="0"/>
+                                          </p:stCondLst>
+                                        </p:cTn>
+                                        <p:tgtEl>
+                                          <p:spTgt spid="6">
+                                            <p:txEl>
+                                              <p:pRg st="0" end="0"/>
+                                            </p:txEl>
+                                          </p:spTgt>
+                                        </p:tgtEl>
+                                        <p:attrNameLst>
+                                          <p:attrName>style.visibility</p:attrName>
+                                        </p:attrNameLst>
+                                      </p:cBhvr>
+                                      <p:to>
+                                        <p:strVal val="visible"/>
+                                      </p:to>
+                                    </p:set>
+                                  </p:childTnLst>
+                                </p:cTn>
+                              </p:par>
+                              <p:par>
+                                <p:cTn id="35" presetID="1" presetClass="entr" presetSubtype="0" fill="hold" nodeType="withEffect">
+                                  <p:stCondLst>
+                                    <p:cond delay="0"/>
+                                  </p:stCondLst>
+                                  <p:childTnLst>
+                                    <p:set>
+                                      <p:cBhvr>
+                                        <p:cTn id="36" dur="1" fill="hold">
+                                          <p:stCondLst>
+                                            <p:cond delay="0"/>
+                                          </p:stCondLst>
+                                        </p:cTn>
+                                        <p:tgtEl>
+                                          <p:spTgt spid="6">
+                                            <p:txEl>
+                                              <p:pRg st="1" end="1"/>
+                                            </p:txEl>
+                                          </p:spTgt>
+                                        </p:tgtEl>
+                                        <p:attrNameLst>
+                                          <p:attrName>style.visibility</p:attrName>
+                                        </p:attrNameLst>
+                                      </p:cBhvr>
+                                      <p:to>
+                                        <p:strVal val="visible"/>
+                                      </p:to>
+                                    </p:set>
+                                  </p:childTnLst>
+                                </p:cTn>
+                              </p:par>
+                            </p:childTnLst>
+                          </p:cTn>
+                        </p:par>
+                      </p:childTnLst>
+                    </p:cTn>
+                  </p:par>
+                  <p:par>
+                    <p:cTn id="37" fill="hold">
+                      <p:stCondLst>
+                        <p:cond delay="indefinite"/>
+                      </p:stCondLst>
+                      <p:childTnLst>
+                        <p:par>
+                          <p:cTn id="38" fill="hold">
+                            <p:stCondLst>
+                              <p:cond delay="0"/>
+                            </p:stCondLst>
+                            <p:childTnLst>
+                              <p:par>
+                                <p:cTn id="39" presetID="1" presetClass="entr" presetSubtype="0" fill="hold" nodeType="clickEffect">
+                                  <p:stCondLst>
+                                    <p:cond delay="0"/>
+                                  </p:stCondLst>
+                                  <p:childTnLst>
+                                    <p:set>
+                                      <p:cBhvr>
+                                        <p:cTn id="40" dur="1" fill="hold">
+                                          <p:stCondLst>
+                                            <p:cond delay="0"/>
+                                          </p:stCondLst>
+                                        </p:cTn>
+                                        <p:tgtEl>
+                                          <p:spTgt spid="6">
+                                            <p:txEl>
+                                              <p:pRg st="2" end="2"/>
+                                            </p:txEl>
+                                          </p:spTgt>
+                                        </p:tgtEl>
+                                        <p:attrNameLst>
+                                          <p:attrName>style.visibility</p:attrName>
+                                        </p:attrNameLst>
+                                      </p:cBhvr>
+                                      <p:to>
+                                        <p:strVal val="visible"/>
+                                      </p:to>
+                                    </p:set>
+                                  </p:childTnLst>
+                                </p:cTn>
+                              </p:par>
+                            </p:childTnLst>
+                          </p:cTn>
+                        </p:par>
+                      </p:childTnLst>
+                    </p:cTn>
+                  </p:par>
+                  <p:par>
+                    <p:cTn id="41" fill="hold">
+                      <p:stCondLst>
+                        <p:cond delay="indefinite"/>
+                      </p:stCondLst>
+                      <p:childTnLst>
+                        <p:par>
+                          <p:cTn id="42" fill="hold">
+                            <p:stCondLst>
+                              <p:cond delay="0"/>
+                            </p:stCondLst>
+                            <p:childTnLst>
+                              <p:par>
+                                <p:cTn id="43" presetID="1" presetClass="entr" presetSubtype="0" fill="hold" nodeType="clickEffect">
+                                  <p:stCondLst>
+                                    <p:cond delay="0"/>
+                                  </p:stCondLst>
+                                  <p:childTnLst>
+                                    <p:set>
+                                      <p:cBhvr>
+                                        <p:cTn id="44" dur="1" fill="hold">
+                                          <p:stCondLst>
+                                            <p:cond delay="0"/>
+                                          </p:stCondLst>
+                                        </p:cTn>
+                                        <p:tgtEl>
+                                          <p:spTgt spid="6">
+                                            <p:txEl>
+                                              <p:pRg st="3" end="3"/>
+                                            </p:txEl>
+                                          </p:spTgt>
+                                        </p:tgtEl>
+                                        <p:attrNameLst>
+                                          <p:attrName>style.visibility</p:attrName>
+                                        </p:attrNameLst>
+                                      </p:cBhvr>
+                                      <p:to>
+                                        <p:strVal val="visible"/>
+                                      </p:to>
+                                    </p:set>
+                                  </p:childTnLst>
+                                </p:cTn>
+                              </p:par>
+                            </p:childTnLst>
+                          </p:cTn>
+                        </p:par>
+                      </p:childTnLst>
+                    </p:cTn>
+                  </p:par>
+                  <p:par>
+                    <p:cTn id="45" fill="hold">
+                      <p:stCondLst>
+                        <p:cond delay="indefinite"/>
+                      </p:stCondLst>
+                      <p:childTnLst>
+                        <p:par>
+                          <p:cTn id="46" fill="hold">
+                            <p:stCondLst>
+                              <p:cond delay="0"/>
+                            </p:stCondLst>
+                            <p:childTnLst>
+                              <p:par>
+                                <p:cTn id="47" presetID="1" presetClass="entr" presetSubtype="0" fill="hold" nodeType="clickEffect">
+                                  <p:stCondLst>
+                                    <p:cond delay="0"/>
+                                  </p:stCondLst>
+                                  <p:childTnLst>
+                                    <p:set>
+                                      <p:cBhvr>
+                                        <p:cTn id="48" dur="1" fill="hold">
+                                          <p:stCondLst>
+                                            <p:cond delay="0"/>
+                                          </p:stCondLst>
+                                        </p:cTn>
+                                        <p:tgtEl>
+                                          <p:spTgt spid="6">
+                                            <p:txEl>
+                                              <p:pRg st="4" end="4"/>
+                                            </p:txEl>
+                                          </p:spTgt>
+                                        </p:tgtEl>
+                                        <p:attrNameLst>
+                                          <p:attrName>style.visibility</p:attrName>
+                                        </p:attrNameLst>
+                                      </p:cBhvr>
+                                      <p:to>
+                                        <p:strVal val="visible"/>
+                                      </p:to>
+                                    </p:set>
+                                  </p:childTnLst>
+                                </p:cTn>
+                              </p:par>
+                            </p:childTnLst>
+                          </p:cTn>
+                        </p:par>
+                      </p:childTnLst>
+                    </p:cTn>
+                  </p:par>
+                  <p:par>
+                    <p:cTn id="49" fill="hold">
+                      <p:stCondLst>
+                        <p:cond delay="indefinite"/>
+                      </p:stCondLst>
+                      <p:childTnLst>
+                        <p:par>
+                          <p:cTn id="50" fill="hold">
+                            <p:stCondLst>
+                              <p:cond delay="0"/>
+                            </p:stCondLst>
+                            <p:childTnLst>
+                              <p:par>
+                                <p:cTn id="51" presetID="1" presetClass="entr" presetSubtype="0" fill="hold" nodeType="clickEffect">
+                                  <p:stCondLst>
+                                    <p:cond delay="0"/>
+                                  </p:stCondLst>
+                                  <p:childTnLst>
+                                    <p:set>
+                                      <p:cBhvr>
+                                        <p:cTn id="52" dur="1" fill="hold">
+                                          <p:stCondLst>
+                                            <p:cond delay="0"/>
+                                          </p:stCondLst>
+                                        </p:cTn>
+                                        <p:tgtEl>
+                                          <p:spTgt spid="6">
+                                            <p:txEl>
+                                              <p:pRg st="5" end="5"/>
+                                            </p:txEl>
+                                          </p:spTgt>
+                                        </p:tgtEl>
+                                        <p:attrNameLst>
+                                          <p:attrName>style.visibility</p:attrName>
+                                        </p:attrNameLst>
+                                      </p:cBhvr>
+                                      <p:to>
+                                        <p:strVal val="visible"/>
+                                      </p:to>
+                                    </p:set>
+                                  </p:childTnLst>
+                                </p:cTn>
+                              </p:par>
+                              <p:par>
+                                <p:cTn id="53" presetID="1" presetClass="entr" presetSubtype="0" fill="hold" nodeType="withEffect">
+                                  <p:stCondLst>
+                                    <p:cond delay="0"/>
+                                  </p:stCondLst>
+                                  <p:childTnLst>
+                                    <p:set>
+                                      <p:cBhvr>
+                                        <p:cTn id="54" dur="1" fill="hold">
+                                          <p:stCondLst>
+                                            <p:cond delay="0"/>
+                                          </p:stCondLst>
+                                        </p:cTn>
+                                        <p:tgtEl>
+                                          <p:spTgt spid="6">
+                                            <p:txEl>
+                                              <p:pRg st="6" end="6"/>
+                                            </p:txEl>
+                                          </p:spTgt>
                                         </p:tgtEl>
                                         <p:attrNameLst>
                                           <p:attrName>style.visibility</p:attrName>
@@ -13685,15 +14553,33 @@
                                   </p:childTnLst>
                                 </p:cTn>
                               </p:par>
+                            </p:childTnLst>
+                          </p:cTn>
+                        </p:par>
+                      </p:childTnLst>
+                    </p:cTn>
+                  </p:par>
+                  <p:par>
+                    <p:cTn id="15" fill="hold">
+                      <p:stCondLst>
+                        <p:cond delay="indefinite"/>
+                      </p:stCondLst>
+                      <p:childTnLst>
+                        <p:par>
+                          <p:cTn id="16" fill="hold">
+                            <p:stCondLst>
+                              <p:cond delay="0"/>
+                            </p:stCondLst>
+                            <p:childTnLst>
                               <p:par>
-                                <p:cTn id="15" presetID="1" presetClass="entr" presetSubtype="0" fill="hold" grpId="0" nodeType="withEffect">
+                                <p:cTn id="17" presetID="1" presetClass="entr" presetSubtype="0" fill="hold" grpId="0" nodeType="clickEffect">
                                   <p:stCondLst>
                                     <p:cond delay="0"/>
                                   </p:stCondLst>
                                   <p:childTnLst>
                                     <p:set>
                                       <p:cBhvr>
-                                        <p:cTn id="16" dur="1" fill="hold">
+                                        <p:cTn id="18" dur="1" fill="hold">
                                           <p:stCondLst>
                                             <p:cond delay="0"/>
                                           </p:stCondLst>
@@ -13723,26 +14609,26 @@
                     </p:cTn>
                   </p:par>
                   <p:par>
-                    <p:cTn id="17" fill="hold">
+                    <p:cTn id="19" fill="hold">
                       <p:stCondLst>
                         <p:cond delay="indefinite"/>
                       </p:stCondLst>
                       <p:childTnLst>
                         <p:par>
-                          <p:cTn id="18" fill="hold">
+                          <p:cTn id="20" fill="hold">
                             <p:stCondLst>
                               <p:cond delay="0"/>
                             </p:stCondLst>
                             <p:childTnLst>
                               <p:par>
-                                <p:cTn id="19" presetID="1" presetClass="entr" presetSubtype="0" fill="hold" grpId="0" nodeType="clickEffect">
+                                <p:cTn id="21" presetID="1" presetClass="entr" presetSubtype="0" fill="hold" grpId="0" nodeType="clickEffect">
                                   <p:stCondLst>
                                     <p:cond delay="0"/>
                                   </p:stCondLst>
                                   <p:childTnLst>
                                     <p:set>
                                       <p:cBhvr>
-                                        <p:cTn id="20" dur="1" fill="hold">
+                                        <p:cTn id="22" dur="1" fill="hold">
                                           <p:stCondLst>
                                             <p:cond delay="0"/>
                                           </p:stCondLst>
@@ -13772,26 +14658,26 @@
                     </p:cTn>
                   </p:par>
                   <p:par>
-                    <p:cTn id="21" fill="hold">
+                    <p:cTn id="23" fill="hold">
                       <p:stCondLst>
                         <p:cond delay="indefinite"/>
                       </p:stCondLst>
                       <p:childTnLst>
                         <p:par>
-                          <p:cTn id="22" fill="hold">
+                          <p:cTn id="24" fill="hold">
                             <p:stCondLst>
                               <p:cond delay="0"/>
                             </p:stCondLst>
                             <p:childTnLst>
                               <p:par>
-                                <p:cTn id="23" presetID="1" presetClass="entr" presetSubtype="0" fill="hold" grpId="0" nodeType="clickEffect">
+                                <p:cTn id="25" presetID="1" presetClass="entr" presetSubtype="0" fill="hold" grpId="0" nodeType="clickEffect">
                                   <p:stCondLst>
                                     <p:cond delay="0"/>
                                   </p:stCondLst>
                                   <p:childTnLst>
                                     <p:set>
                                       <p:cBhvr>
-                                        <p:cTn id="24" dur="1" fill="hold">
+                                        <p:cTn id="26" dur="1" fill="hold">
                                           <p:stCondLst>
                                             <p:cond delay="0"/>
                                           </p:stCondLst>
@@ -13821,26 +14707,26 @@
                     </p:cTn>
                   </p:par>
                   <p:par>
-                    <p:cTn id="25" fill="hold">
+                    <p:cTn id="27" fill="hold">
                       <p:stCondLst>
                         <p:cond delay="indefinite"/>
                       </p:stCondLst>
                       <p:childTnLst>
                         <p:par>
-                          <p:cTn id="26" fill="hold">
+                          <p:cTn id="28" fill="hold">
                             <p:stCondLst>
                               <p:cond delay="0"/>
                             </p:stCondLst>
                             <p:childTnLst>
                               <p:par>
-                                <p:cTn id="27" presetID="1" presetClass="entr" presetSubtype="0" fill="hold" grpId="0" nodeType="clickEffect">
+                                <p:cTn id="29" presetID="1" presetClass="entr" presetSubtype="0" fill="hold" grpId="0" nodeType="clickEffect">
                                   <p:stCondLst>
                                     <p:cond delay="0"/>
                                   </p:stCondLst>
                                   <p:childTnLst>
                                     <p:set>
                                       <p:cBhvr>
-                                        <p:cTn id="28" dur="1" fill="hold">
+                                        <p:cTn id="30" dur="1" fill="hold">
                                           <p:stCondLst>
                                             <p:cond delay="0"/>
                                           </p:stCondLst>
@@ -13863,15 +14749,33 @@
                                   </p:childTnLst>
                                 </p:cTn>
                               </p:par>
+                            </p:childTnLst>
+                          </p:cTn>
+                        </p:par>
+                      </p:childTnLst>
+                    </p:cTn>
+                  </p:par>
+                  <p:par>
+                    <p:cTn id="31" fill="hold">
+                      <p:stCondLst>
+                        <p:cond delay="indefinite"/>
+                      </p:stCondLst>
+                      <p:childTnLst>
+                        <p:par>
+                          <p:cTn id="32" fill="hold">
+                            <p:stCondLst>
+                              <p:cond delay="0"/>
+                            </p:stCondLst>
+                            <p:childTnLst>
                               <p:par>
-                                <p:cTn id="29" presetID="1" presetClass="entr" presetSubtype="0" fill="hold" grpId="0" nodeType="withEffect">
+                                <p:cTn id="33" presetID="1" presetClass="entr" presetSubtype="0" fill="hold" grpId="0" nodeType="clickEffect">
                                   <p:stCondLst>
                                     <p:cond delay="0"/>
                                   </p:stCondLst>
                                   <p:childTnLst>
                                     <p:set>
                                       <p:cBhvr>
-                                        <p:cTn id="30" dur="1" fill="hold">
+                                        <p:cTn id="34" dur="1" fill="hold">
                                           <p:stCondLst>
                                             <p:cond delay="0"/>
                                           </p:stCondLst>
@@ -13894,15 +14798,33 @@
                                   </p:childTnLst>
                                 </p:cTn>
                               </p:par>
+                            </p:childTnLst>
+                          </p:cTn>
+                        </p:par>
+                      </p:childTnLst>
+                    </p:cTn>
+                  </p:par>
+                  <p:par>
+                    <p:cTn id="35" fill="hold">
+                      <p:stCondLst>
+                        <p:cond delay="indefinite"/>
+                      </p:stCondLst>
+                      <p:childTnLst>
+                        <p:par>
+                          <p:cTn id="36" fill="hold">
+                            <p:stCondLst>
+                              <p:cond delay="0"/>
+                            </p:stCondLst>
+                            <p:childTnLst>
                               <p:par>
-                                <p:cTn id="31" presetID="1" presetClass="entr" presetSubtype="0" fill="hold" grpId="0" nodeType="withEffect">
+                                <p:cTn id="37" presetID="1" presetClass="entr" presetSubtype="0" fill="hold" grpId="0" nodeType="clickEffect">
                                   <p:stCondLst>
                                     <p:cond delay="0"/>
                                   </p:stCondLst>
                                   <p:childTnLst>
                                     <p:set>
                                       <p:cBhvr>
-                                        <p:cTn id="32" dur="1" fill="hold">
+                                        <p:cTn id="38" dur="1" fill="hold">
                                           <p:stCondLst>
                                             <p:cond delay="0"/>
                                           </p:stCondLst>
@@ -13953,7 +14875,7 @@
       </p:par>
     </p:tnLst>
     <p:bldLst>
-      <p:bldP spid="3" grpId="0" build="p"/>
+      <p:bldP spid="3" grpId="0" uiExpand="1" build="p"/>
     </p:bldLst>
   </p:timing>
 </p:sld>
